--- a/Web_Scraping_Project_Presentation Hanbo Shao.pptx
+++ b/Web_Scraping_Project_Presentation Hanbo Shao.pptx
@@ -9,20 +9,23 @@
     <p:sldId id="258" r:id="rId3"/>
     <p:sldId id="257" r:id="rId4"/>
     <p:sldId id="259" r:id="rId5"/>
-    <p:sldId id="260" r:id="rId6"/>
-    <p:sldId id="261" r:id="rId7"/>
-    <p:sldId id="262" r:id="rId8"/>
-    <p:sldId id="266" r:id="rId9"/>
-    <p:sldId id="265" r:id="rId10"/>
-    <p:sldId id="263" r:id="rId11"/>
-    <p:sldId id="264" r:id="rId12"/>
-    <p:sldId id="267" r:id="rId13"/>
-    <p:sldId id="268" r:id="rId14"/>
-    <p:sldId id="269" r:id="rId15"/>
-    <p:sldId id="270" r:id="rId16"/>
-    <p:sldId id="271" r:id="rId17"/>
-    <p:sldId id="272" r:id="rId18"/>
-    <p:sldId id="273" r:id="rId19"/>
+    <p:sldId id="275" r:id="rId6"/>
+    <p:sldId id="260" r:id="rId7"/>
+    <p:sldId id="274" r:id="rId8"/>
+    <p:sldId id="261" r:id="rId9"/>
+    <p:sldId id="276" r:id="rId10"/>
+    <p:sldId id="262" r:id="rId11"/>
+    <p:sldId id="266" r:id="rId12"/>
+    <p:sldId id="265" r:id="rId13"/>
+    <p:sldId id="263" r:id="rId14"/>
+    <p:sldId id="264" r:id="rId15"/>
+    <p:sldId id="267" r:id="rId16"/>
+    <p:sldId id="268" r:id="rId17"/>
+    <p:sldId id="269" r:id="rId18"/>
+    <p:sldId id="270" r:id="rId19"/>
+    <p:sldId id="271" r:id="rId20"/>
+    <p:sldId id="272" r:id="rId21"/>
+    <p:sldId id="273" r:id="rId22"/>
   </p:sldIdLst>
   <p:sldSz cx="12192000" cy="6858000"/>
   <p:notesSz cx="6858000" cy="9144000"/>
@@ -121,6 +124,11 @@
       </a:defRPr>
     </a:lvl9pPr>
   </p:defaultTextStyle>
+  <p:extLst>
+    <p:ext uri="{EFAFB233-063F-42B5-8137-9DF3F51BA10A}">
+      <p15:sldGuideLst xmlns:p15="http://schemas.microsoft.com/office/powerpoint/2012/main"/>
+    </p:ext>
+  </p:extLst>
 </p:presentation>
 </file>
 
@@ -287,7 +295,7 @@
           <a:p>
             <a:fld id="{E111BD81-2F8D-5544-AE1D-307275A5D5FC}" type="datetimeFigureOut">
               <a:rPr lang="en-US" smtClean="0"/>
-              <a:t>1/26/20</a:t>
+              <a:t>1/27/20</a:t>
             </a:fld>
             <a:endParaRPr lang="en-US"/>
           </a:p>
@@ -457,7 +465,7 @@
           <a:p>
             <a:fld id="{E111BD81-2F8D-5544-AE1D-307275A5D5FC}" type="datetimeFigureOut">
               <a:rPr lang="en-US" smtClean="0"/>
-              <a:t>1/26/20</a:t>
+              <a:t>1/27/20</a:t>
             </a:fld>
             <a:endParaRPr lang="en-US"/>
           </a:p>
@@ -637,7 +645,7 @@
           <a:p>
             <a:fld id="{E111BD81-2F8D-5544-AE1D-307275A5D5FC}" type="datetimeFigureOut">
               <a:rPr lang="en-US" smtClean="0"/>
-              <a:t>1/26/20</a:t>
+              <a:t>1/27/20</a:t>
             </a:fld>
             <a:endParaRPr lang="en-US"/>
           </a:p>
@@ -807,7 +815,7 @@
           <a:p>
             <a:fld id="{E111BD81-2F8D-5544-AE1D-307275A5D5FC}" type="datetimeFigureOut">
               <a:rPr lang="en-US" smtClean="0"/>
-              <a:t>1/26/20</a:t>
+              <a:t>1/27/20</a:t>
             </a:fld>
             <a:endParaRPr lang="en-US"/>
           </a:p>
@@ -1075,7 +1083,7 @@
           <a:p>
             <a:fld id="{E111BD81-2F8D-5544-AE1D-307275A5D5FC}" type="datetimeFigureOut">
               <a:rPr lang="en-US" smtClean="0"/>
-              <a:t>1/26/20</a:t>
+              <a:t>1/27/20</a:t>
             </a:fld>
             <a:endParaRPr lang="en-US"/>
           </a:p>
@@ -1307,7 +1315,7 @@
           <a:p>
             <a:fld id="{E111BD81-2F8D-5544-AE1D-307275A5D5FC}" type="datetimeFigureOut">
               <a:rPr lang="en-US" smtClean="0"/>
-              <a:t>1/26/20</a:t>
+              <a:t>1/27/20</a:t>
             </a:fld>
             <a:endParaRPr lang="en-US"/>
           </a:p>
@@ -1666,7 +1674,7 @@
           <a:p>
             <a:fld id="{E111BD81-2F8D-5544-AE1D-307275A5D5FC}" type="datetimeFigureOut">
               <a:rPr lang="en-US" smtClean="0"/>
-              <a:t>1/26/20</a:t>
+              <a:t>1/27/20</a:t>
             </a:fld>
             <a:endParaRPr lang="en-US"/>
           </a:p>
@@ -1807,7 +1815,7 @@
           <a:p>
             <a:fld id="{E111BD81-2F8D-5544-AE1D-307275A5D5FC}" type="datetimeFigureOut">
               <a:rPr lang="en-US" smtClean="0"/>
-              <a:t>1/26/20</a:t>
+              <a:t>1/27/20</a:t>
             </a:fld>
             <a:endParaRPr lang="en-US"/>
           </a:p>
@@ -1902,7 +1910,7 @@
           <a:p>
             <a:fld id="{E111BD81-2F8D-5544-AE1D-307275A5D5FC}" type="datetimeFigureOut">
               <a:rPr lang="en-US" smtClean="0"/>
-              <a:t>1/26/20</a:t>
+              <a:t>1/27/20</a:t>
             </a:fld>
             <a:endParaRPr lang="en-US"/>
           </a:p>
@@ -2259,7 +2267,7 @@
           <a:p>
             <a:fld id="{E111BD81-2F8D-5544-AE1D-307275A5D5FC}" type="datetimeFigureOut">
               <a:rPr lang="en-US" smtClean="0"/>
-              <a:t>1/26/20</a:t>
+              <a:t>1/27/20</a:t>
             </a:fld>
             <a:endParaRPr lang="en-US"/>
           </a:p>
@@ -2616,7 +2624,7 @@
           <a:p>
             <a:fld id="{E111BD81-2F8D-5544-AE1D-307275A5D5FC}" type="datetimeFigureOut">
               <a:rPr lang="en-US" smtClean="0"/>
-              <a:t>1/26/20</a:t>
+              <a:t>1/27/20</a:t>
             </a:fld>
             <a:endParaRPr lang="en-US"/>
           </a:p>
@@ -2858,7 +2866,7 @@
           <a:p>
             <a:fld id="{E111BD81-2F8D-5544-AE1D-307275A5D5FC}" type="datetimeFigureOut">
               <a:rPr lang="en-US" smtClean="0"/>
-              <a:t>1/26/20</a:t>
+              <a:t>1/27/20</a:t>
             </a:fld>
             <a:endParaRPr lang="en-US"/>
           </a:p>
@@ -3417,6 +3425,1382 @@
 <file path=ppt/slides/slide10.xml><?xml version="1.0" encoding="utf-8"?>
 <p:sld xmlns:a="http://schemas.openxmlformats.org/drawingml/2006/main" xmlns:r="http://schemas.openxmlformats.org/officeDocument/2006/relationships" xmlns:p="http://schemas.openxmlformats.org/presentationml/2006/main">
   <p:cSld>
+    <p:spTree>
+      <p:nvGrpSpPr>
+        <p:cNvPr id="1" name=""/>
+        <p:cNvGrpSpPr/>
+        <p:nvPr/>
+      </p:nvGrpSpPr>
+      <p:grpSpPr>
+        <a:xfrm>
+          <a:off x="0" y="0"/>
+          <a:ext cx="0" cy="0"/>
+          <a:chOff x="0" y="0"/>
+          <a:chExt cx="0" cy="0"/>
+        </a:xfrm>
+      </p:grpSpPr>
+      <p:sp>
+        <p:nvSpPr>
+          <p:cNvPr id="2" name="Title 1">
+            <a:extLst>
+              <a:ext uri="{FF2B5EF4-FFF2-40B4-BE49-F238E27FC236}">
+                <a16:creationId xmlns:a16="http://schemas.microsoft.com/office/drawing/2014/main" id="{5CE8B920-98B2-0444-98B0-A06207D29D1E}"/>
+              </a:ext>
+            </a:extLst>
+          </p:cNvPr>
+          <p:cNvSpPr>
+            <a:spLocks noGrp="1"/>
+          </p:cNvSpPr>
+          <p:nvPr>
+            <p:ph type="title"/>
+          </p:nvPr>
+        </p:nvSpPr>
+        <p:spPr>
+          <a:xfrm>
+            <a:off x="1514475" y="964692"/>
+            <a:ext cx="9029699" cy="1188720"/>
+          </a:xfrm>
+        </p:spPr>
+        <p:txBody>
+          <a:bodyPr/>
+          <a:lstStyle/>
+          <a:p>
+            <a:r>
+              <a:rPr lang="en-US" dirty="0"/>
+              <a:t>“Master Cook” VS. “Non-master cook”</a:t>
+            </a:r>
+          </a:p>
+        </p:txBody>
+      </p:sp>
+      <p:graphicFrame>
+        <p:nvGraphicFramePr>
+          <p:cNvPr id="4" name="Content Placeholder 6">
+            <a:extLst>
+              <a:ext uri="{FF2B5EF4-FFF2-40B4-BE49-F238E27FC236}">
+                <a16:creationId xmlns:a16="http://schemas.microsoft.com/office/drawing/2014/main" id="{C757D0EF-0DC0-4A45-8EF8-20AE28DDD27D}"/>
+              </a:ext>
+            </a:extLst>
+          </p:cNvPr>
+          <p:cNvGraphicFramePr>
+            <a:graphicFrameLocks/>
+          </p:cNvGraphicFramePr>
+          <p:nvPr>
+            <p:extLst>
+              <p:ext uri="{D42A27DB-BD31-4B8C-83A1-F6EECF244321}">
+                <p14:modId xmlns:p14="http://schemas.microsoft.com/office/powerpoint/2010/main" val="1095117143"/>
+              </p:ext>
+            </p:extLst>
+          </p:nvPr>
+        </p:nvGraphicFramePr>
+        <p:xfrm>
+          <a:off x="471488" y="2687319"/>
+          <a:ext cx="11201400" cy="2441894"/>
+        </p:xfrm>
+        <a:graphic>
+          <a:graphicData uri="http://schemas.openxmlformats.org/drawingml/2006/table">
+            <a:tbl>
+              <a:tblPr firstRow="1" firstCol="1" bandRow="1">
+                <a:tableStyleId>{5C22544A-7EE6-4342-B048-85BDC9FD1C3A}</a:tableStyleId>
+              </a:tblPr>
+              <a:tblGrid>
+                <a:gridCol w="1789709">
+                  <a:extLst>
+                    <a:ext uri="{9D8B030D-6E8A-4147-A177-3AD203B41FA5}">
+                      <a16:colId xmlns:a16="http://schemas.microsoft.com/office/drawing/2014/main" val="3263429234"/>
+                    </a:ext>
+                  </a:extLst>
+                </a:gridCol>
+                <a:gridCol w="844134">
+                  <a:extLst>
+                    <a:ext uri="{9D8B030D-6E8A-4147-A177-3AD203B41FA5}">
+                      <a16:colId xmlns:a16="http://schemas.microsoft.com/office/drawing/2014/main" val="1805125209"/>
+                    </a:ext>
+                  </a:extLst>
+                </a:gridCol>
+                <a:gridCol w="923358">
+                  <a:extLst>
+                    <a:ext uri="{9D8B030D-6E8A-4147-A177-3AD203B41FA5}">
+                      <a16:colId xmlns:a16="http://schemas.microsoft.com/office/drawing/2014/main" val="4203759007"/>
+                    </a:ext>
+                  </a:extLst>
+                </a:gridCol>
+                <a:gridCol w="635755">
+                  <a:extLst>
+                    <a:ext uri="{9D8B030D-6E8A-4147-A177-3AD203B41FA5}">
+                      <a16:colId xmlns:a16="http://schemas.microsoft.com/office/drawing/2014/main" val="625900654"/>
+                    </a:ext>
+                  </a:extLst>
+                </a:gridCol>
+                <a:gridCol w="1195826">
+                  <a:extLst>
+                    <a:ext uri="{9D8B030D-6E8A-4147-A177-3AD203B41FA5}">
+                      <a16:colId xmlns:a16="http://schemas.microsoft.com/office/drawing/2014/main" val="1284505668"/>
+                    </a:ext>
+                  </a:extLst>
+                </a:gridCol>
+                <a:gridCol w="999044">
+                  <a:extLst>
+                    <a:ext uri="{9D8B030D-6E8A-4147-A177-3AD203B41FA5}">
+                      <a16:colId xmlns:a16="http://schemas.microsoft.com/office/drawing/2014/main" val="2188754010"/>
+                    </a:ext>
+                  </a:extLst>
+                </a:gridCol>
+                <a:gridCol w="740338">
+                  <a:extLst>
+                    <a:ext uri="{9D8B030D-6E8A-4147-A177-3AD203B41FA5}">
+                      <a16:colId xmlns:a16="http://schemas.microsoft.com/office/drawing/2014/main" val="199541907"/>
+                    </a:ext>
+                  </a:extLst>
+                </a:gridCol>
+                <a:gridCol w="1018309">
+                  <a:extLst>
+                    <a:ext uri="{9D8B030D-6E8A-4147-A177-3AD203B41FA5}">
+                      <a16:colId xmlns:a16="http://schemas.microsoft.com/office/drawing/2014/main" val="2670975310"/>
+                    </a:ext>
+                  </a:extLst>
+                </a:gridCol>
+                <a:gridCol w="1018309">
+                  <a:extLst>
+                    <a:ext uri="{9D8B030D-6E8A-4147-A177-3AD203B41FA5}">
+                      <a16:colId xmlns:a16="http://schemas.microsoft.com/office/drawing/2014/main" val="835733401"/>
+                    </a:ext>
+                  </a:extLst>
+                </a:gridCol>
+                <a:gridCol w="1018309">
+                  <a:extLst>
+                    <a:ext uri="{9D8B030D-6E8A-4147-A177-3AD203B41FA5}">
+                      <a16:colId xmlns:a16="http://schemas.microsoft.com/office/drawing/2014/main" val="3369517601"/>
+                    </a:ext>
+                  </a:extLst>
+                </a:gridCol>
+                <a:gridCol w="1018309">
+                  <a:extLst>
+                    <a:ext uri="{9D8B030D-6E8A-4147-A177-3AD203B41FA5}">
+                      <a16:colId xmlns:a16="http://schemas.microsoft.com/office/drawing/2014/main" val="1775462602"/>
+                    </a:ext>
+                  </a:extLst>
+                </a:gridCol>
+              </a:tblGrid>
+              <a:tr h="571979">
+                <a:tc>
+                  <a:txBody>
+                    <a:bodyPr/>
+                    <a:lstStyle/>
+                    <a:p>
+                      <a:pPr algn="ctr"/>
+                      <a:endParaRPr lang="en-US" dirty="0"/>
+                    </a:p>
+                  </a:txBody>
+                  <a:tcPr/>
+                </a:tc>
+                <a:tc>
+                  <a:txBody>
+                    <a:bodyPr/>
+                    <a:lstStyle/>
+                    <a:p>
+                      <a:pPr algn="ctr"/>
+                      <a:endParaRPr lang="en-US" dirty="0"/>
+                    </a:p>
+                  </a:txBody>
+                  <a:tcPr/>
+                </a:tc>
+                <a:tc gridSpan="3">
+                  <a:txBody>
+                    <a:bodyPr/>
+                    <a:lstStyle/>
+                    <a:p>
+                      <a:pPr algn="ctr"/>
+                      <a:r>
+                        <a:rPr lang="en-US" dirty="0"/>
+                        <a:t>Number of Attempts</a:t>
+                      </a:r>
+                    </a:p>
+                  </a:txBody>
+                  <a:tcPr/>
+                </a:tc>
+                <a:tc hMerge="1">
+                  <a:txBody>
+                    <a:bodyPr/>
+                    <a:lstStyle/>
+                    <a:p>
+                      <a:endParaRPr lang="en-US" dirty="0"/>
+                    </a:p>
+                  </a:txBody>
+                  <a:tcPr/>
+                </a:tc>
+                <a:tc hMerge="1">
+                  <a:txBody>
+                    <a:bodyPr/>
+                    <a:lstStyle/>
+                    <a:p>
+                      <a:endParaRPr lang="en-US" dirty="0"/>
+                    </a:p>
+                  </a:txBody>
+                  <a:tcPr/>
+                </a:tc>
+                <a:tc gridSpan="3">
+                  <a:txBody>
+                    <a:bodyPr/>
+                    <a:lstStyle/>
+                    <a:p>
+                      <a:pPr algn="ctr"/>
+                      <a:r>
+                        <a:rPr lang="en-US" dirty="0"/>
+                        <a:t>Ratings</a:t>
+                      </a:r>
+                    </a:p>
+                  </a:txBody>
+                  <a:tcPr/>
+                </a:tc>
+                <a:tc hMerge="1">
+                  <a:txBody>
+                    <a:bodyPr/>
+                    <a:lstStyle/>
+                    <a:p>
+                      <a:endParaRPr lang="en-US" dirty="0"/>
+                    </a:p>
+                  </a:txBody>
+                  <a:tcPr/>
+                </a:tc>
+                <a:tc hMerge="1">
+                  <a:txBody>
+                    <a:bodyPr/>
+                    <a:lstStyle/>
+                    <a:p>
+                      <a:endParaRPr lang="en-US" dirty="0"/>
+                    </a:p>
+                  </a:txBody>
+                  <a:tcPr/>
+                </a:tc>
+                <a:tc gridSpan="3">
+                  <a:txBody>
+                    <a:bodyPr/>
+                    <a:lstStyle/>
+                    <a:p>
+                      <a:pPr algn="ctr"/>
+                      <a:r>
+                        <a:rPr lang="en-US" dirty="0"/>
+                        <a:t>Number of Ingredients</a:t>
+                      </a:r>
+                    </a:p>
+                  </a:txBody>
+                  <a:tcPr/>
+                </a:tc>
+                <a:tc hMerge="1">
+                  <a:txBody>
+                    <a:bodyPr/>
+                    <a:lstStyle/>
+                    <a:p>
+                      <a:endParaRPr lang="en-US" dirty="0"/>
+                    </a:p>
+                  </a:txBody>
+                  <a:tcPr/>
+                </a:tc>
+                <a:tc hMerge="1">
+                  <a:txBody>
+                    <a:bodyPr/>
+                    <a:lstStyle/>
+                    <a:p>
+                      <a:endParaRPr lang="en-US" dirty="0"/>
+                    </a:p>
+                  </a:txBody>
+                  <a:tcPr/>
+                </a:tc>
+                <a:extLst>
+                  <a:ext uri="{0D108BD9-81ED-4DB2-BD59-A6C34878D82A}">
+                    <a16:rowId xmlns:a16="http://schemas.microsoft.com/office/drawing/2014/main" val="3276143995"/>
+                  </a:ext>
+                </a:extLst>
+              </a:tr>
+              <a:tr h="571979">
+                <a:tc>
+                  <a:txBody>
+                    <a:bodyPr/>
+                    <a:lstStyle/>
+                    <a:p>
+                      <a:pPr algn="ctr"/>
+                      <a:endParaRPr lang="en-US" dirty="0"/>
+                    </a:p>
+                  </a:txBody>
+                  <a:tcPr/>
+                </a:tc>
+                <a:tc>
+                  <a:txBody>
+                    <a:bodyPr/>
+                    <a:lstStyle/>
+                    <a:p>
+                      <a:pPr algn="ctr"/>
+                      <a:r>
+                        <a:rPr lang="en-US" dirty="0"/>
+                        <a:t>Count</a:t>
+                      </a:r>
+                    </a:p>
+                  </a:txBody>
+                  <a:tcPr/>
+                </a:tc>
+                <a:tc>
+                  <a:txBody>
+                    <a:bodyPr/>
+                    <a:lstStyle/>
+                    <a:p>
+                      <a:pPr algn="ctr"/>
+                      <a:r>
+                        <a:rPr lang="en-US" dirty="0"/>
+                        <a:t>mean</a:t>
+                      </a:r>
+                    </a:p>
+                  </a:txBody>
+                  <a:tcPr/>
+                </a:tc>
+                <a:tc>
+                  <a:txBody>
+                    <a:bodyPr/>
+                    <a:lstStyle/>
+                    <a:p>
+                      <a:pPr algn="ctr"/>
+                      <a:r>
+                        <a:rPr lang="en-US" dirty="0"/>
+                        <a:t>min</a:t>
+                      </a:r>
+                    </a:p>
+                  </a:txBody>
+                  <a:tcPr/>
+                </a:tc>
+                <a:tc>
+                  <a:txBody>
+                    <a:bodyPr/>
+                    <a:lstStyle/>
+                    <a:p>
+                      <a:pPr algn="ctr"/>
+                      <a:r>
+                        <a:rPr lang="en-US" dirty="0"/>
+                        <a:t>max</a:t>
+                      </a:r>
+                    </a:p>
+                  </a:txBody>
+                  <a:tcPr/>
+                </a:tc>
+                <a:tc>
+                  <a:txBody>
+                    <a:bodyPr/>
+                    <a:lstStyle/>
+                    <a:p>
+                      <a:pPr algn="ctr"/>
+                      <a:r>
+                        <a:rPr lang="en-US" dirty="0"/>
+                        <a:t>mean</a:t>
+                      </a:r>
+                    </a:p>
+                  </a:txBody>
+                  <a:tcPr/>
+                </a:tc>
+                <a:tc>
+                  <a:txBody>
+                    <a:bodyPr/>
+                    <a:lstStyle/>
+                    <a:p>
+                      <a:pPr algn="ctr"/>
+                      <a:r>
+                        <a:rPr lang="en-US" dirty="0"/>
+                        <a:t>min</a:t>
+                      </a:r>
+                    </a:p>
+                  </a:txBody>
+                  <a:tcPr/>
+                </a:tc>
+                <a:tc>
+                  <a:txBody>
+                    <a:bodyPr/>
+                    <a:lstStyle/>
+                    <a:p>
+                      <a:pPr algn="ctr"/>
+                      <a:r>
+                        <a:rPr lang="en-US" dirty="0"/>
+                        <a:t>max</a:t>
+                      </a:r>
+                    </a:p>
+                  </a:txBody>
+                  <a:tcPr/>
+                </a:tc>
+                <a:tc>
+                  <a:txBody>
+                    <a:bodyPr/>
+                    <a:lstStyle/>
+                    <a:p>
+                      <a:pPr algn="ctr"/>
+                      <a:r>
+                        <a:rPr lang="en-US" dirty="0"/>
+                        <a:t>mean</a:t>
+                      </a:r>
+                    </a:p>
+                  </a:txBody>
+                  <a:tcPr/>
+                </a:tc>
+                <a:tc>
+                  <a:txBody>
+                    <a:bodyPr/>
+                    <a:lstStyle/>
+                    <a:p>
+                      <a:pPr algn="ctr"/>
+                      <a:r>
+                        <a:rPr lang="en-US" dirty="0"/>
+                        <a:t>min</a:t>
+                      </a:r>
+                    </a:p>
+                  </a:txBody>
+                  <a:tcPr/>
+                </a:tc>
+                <a:tc>
+                  <a:txBody>
+                    <a:bodyPr/>
+                    <a:lstStyle/>
+                    <a:p>
+                      <a:pPr algn="ctr"/>
+                      <a:r>
+                        <a:rPr lang="en-US" dirty="0"/>
+                        <a:t>max</a:t>
+                      </a:r>
+                    </a:p>
+                  </a:txBody>
+                  <a:tcPr/>
+                </a:tc>
+                <a:extLst>
+                  <a:ext uri="{0D108BD9-81ED-4DB2-BD59-A6C34878D82A}">
+                    <a16:rowId xmlns:a16="http://schemas.microsoft.com/office/drawing/2014/main" val="860812084"/>
+                  </a:ext>
+                </a:extLst>
+              </a:tr>
+              <a:tr h="571979">
+                <a:tc>
+                  <a:txBody>
+                    <a:bodyPr/>
+                    <a:lstStyle/>
+                    <a:p>
+                      <a:pPr algn="ctr"/>
+                      <a:r>
+                        <a:rPr lang="en-US" dirty="0"/>
+                        <a:t>Non-Master</a:t>
+                      </a:r>
+                    </a:p>
+                  </a:txBody>
+                  <a:tcPr/>
+                </a:tc>
+                <a:tc>
+                  <a:txBody>
+                    <a:bodyPr/>
+                    <a:lstStyle/>
+                    <a:p>
+                      <a:pPr algn="ctr"/>
+                      <a:r>
+                        <a:rPr lang="en-US" dirty="0"/>
+                        <a:t>2030</a:t>
+                      </a:r>
+                    </a:p>
+                  </a:txBody>
+                  <a:tcPr/>
+                </a:tc>
+                <a:tc>
+                  <a:txBody>
+                    <a:bodyPr/>
+                    <a:lstStyle/>
+                    <a:p>
+                      <a:pPr algn="ctr"/>
+                      <a:r>
+                        <a:rPr lang="en-US" sz="1800" b="0" i="0" kern="1200" dirty="0">
+                          <a:solidFill>
+                            <a:schemeClr val="dk1"/>
+                          </a:solidFill>
+                          <a:effectLst/>
+                          <a:latin typeface="+mn-lt"/>
+                          <a:ea typeface="+mn-ea"/>
+                          <a:cs typeface="+mn-cs"/>
+                        </a:rPr>
+                        <a:t>776.01</a:t>
+                      </a:r>
+                      <a:endParaRPr lang="en-US" dirty="0"/>
+                    </a:p>
+                  </a:txBody>
+                  <a:tcPr/>
+                </a:tc>
+                <a:tc>
+                  <a:txBody>
+                    <a:bodyPr/>
+                    <a:lstStyle/>
+                    <a:p>
+                      <a:pPr algn="ctr"/>
+                      <a:r>
+                        <a:rPr lang="en-US" dirty="0"/>
+                        <a:t>100</a:t>
+                      </a:r>
+                    </a:p>
+                  </a:txBody>
+                  <a:tcPr/>
+                </a:tc>
+                <a:tc>
+                  <a:txBody>
+                    <a:bodyPr/>
+                    <a:lstStyle/>
+                    <a:p>
+                      <a:pPr algn="ctr"/>
+                      <a:r>
+                        <a:rPr lang="en-US" sz="1800" b="0" i="0" kern="1200" dirty="0">
+                          <a:solidFill>
+                            <a:schemeClr val="dk1"/>
+                          </a:solidFill>
+                          <a:effectLst/>
+                          <a:latin typeface="+mn-lt"/>
+                          <a:ea typeface="+mn-ea"/>
+                          <a:cs typeface="+mn-cs"/>
+                        </a:rPr>
+                        <a:t>36799</a:t>
+                      </a:r>
+                      <a:endParaRPr lang="en-US" dirty="0"/>
+                    </a:p>
+                  </a:txBody>
+                  <a:tcPr/>
+                </a:tc>
+                <a:tc>
+                  <a:txBody>
+                    <a:bodyPr/>
+                    <a:lstStyle/>
+                    <a:p>
+                      <a:pPr algn="ctr"/>
+                      <a:r>
+                        <a:rPr lang="en-US" dirty="0"/>
+                        <a:t>7.86</a:t>
+                      </a:r>
+                    </a:p>
+                  </a:txBody>
+                  <a:tcPr/>
+                </a:tc>
+                <a:tc>
+                  <a:txBody>
+                    <a:bodyPr/>
+                    <a:lstStyle/>
+                    <a:p>
+                      <a:pPr algn="ctr"/>
+                      <a:r>
+                        <a:rPr lang="en-US" dirty="0"/>
+                        <a:t>6.2</a:t>
+                      </a:r>
+                    </a:p>
+                  </a:txBody>
+                  <a:tcPr/>
+                </a:tc>
+                <a:tc>
+                  <a:txBody>
+                    <a:bodyPr/>
+                    <a:lstStyle/>
+                    <a:p>
+                      <a:pPr algn="ctr"/>
+                      <a:r>
+                        <a:rPr lang="en-US" dirty="0"/>
+                        <a:t>9.4</a:t>
+                      </a:r>
+                    </a:p>
+                  </a:txBody>
+                  <a:tcPr/>
+                </a:tc>
+                <a:tc>
+                  <a:txBody>
+                    <a:bodyPr/>
+                    <a:lstStyle/>
+                    <a:p>
+                      <a:pPr algn="ctr"/>
+                      <a:r>
+                        <a:rPr lang="en-US" dirty="0"/>
+                        <a:t>7.19</a:t>
+                      </a:r>
+                    </a:p>
+                  </a:txBody>
+                  <a:tcPr/>
+                </a:tc>
+                <a:tc>
+                  <a:txBody>
+                    <a:bodyPr/>
+                    <a:lstStyle/>
+                    <a:p>
+                      <a:pPr algn="ctr"/>
+                      <a:r>
+                        <a:rPr lang="en-US" dirty="0"/>
+                        <a:t>1</a:t>
+                      </a:r>
+                    </a:p>
+                  </a:txBody>
+                  <a:tcPr/>
+                </a:tc>
+                <a:tc>
+                  <a:txBody>
+                    <a:bodyPr/>
+                    <a:lstStyle/>
+                    <a:p>
+                      <a:pPr algn="ctr"/>
+                      <a:r>
+                        <a:rPr lang="en-US" dirty="0"/>
+                        <a:t>23</a:t>
+                      </a:r>
+                    </a:p>
+                  </a:txBody>
+                  <a:tcPr/>
+                </a:tc>
+                <a:extLst>
+                  <a:ext uri="{0D108BD9-81ED-4DB2-BD59-A6C34878D82A}">
+                    <a16:rowId xmlns:a16="http://schemas.microsoft.com/office/drawing/2014/main" val="1395494988"/>
+                  </a:ext>
+                </a:extLst>
+              </a:tr>
+              <a:tr h="725957">
+                <a:tc>
+                  <a:txBody>
+                    <a:bodyPr/>
+                    <a:lstStyle/>
+                    <a:p>
+                      <a:pPr algn="ctr"/>
+                      <a:r>
+                        <a:rPr lang="en-US" dirty="0"/>
+                        <a:t>Master</a:t>
+                      </a:r>
+                    </a:p>
+                  </a:txBody>
+                  <a:tcPr/>
+                </a:tc>
+                <a:tc>
+                  <a:txBody>
+                    <a:bodyPr/>
+                    <a:lstStyle/>
+                    <a:p>
+                      <a:pPr algn="ctr"/>
+                      <a:r>
+                        <a:rPr lang="en-US" dirty="0"/>
+                        <a:t>1215</a:t>
+                      </a:r>
+                    </a:p>
+                  </a:txBody>
+                  <a:tcPr/>
+                </a:tc>
+                <a:tc>
+                  <a:txBody>
+                    <a:bodyPr/>
+                    <a:lstStyle/>
+                    <a:p>
+                      <a:pPr algn="ctr"/>
+                      <a:r>
+                        <a:rPr lang="en-US" dirty="0"/>
+                        <a:t>959.39</a:t>
+                      </a:r>
+                    </a:p>
+                  </a:txBody>
+                  <a:tcPr/>
+                </a:tc>
+                <a:tc>
+                  <a:txBody>
+                    <a:bodyPr/>
+                    <a:lstStyle/>
+                    <a:p>
+                      <a:pPr algn="ctr"/>
+                      <a:r>
+                        <a:rPr lang="en-US" dirty="0"/>
+                        <a:t>100</a:t>
+                      </a:r>
+                    </a:p>
+                  </a:txBody>
+                  <a:tcPr/>
+                </a:tc>
+                <a:tc>
+                  <a:txBody>
+                    <a:bodyPr/>
+                    <a:lstStyle/>
+                    <a:p>
+                      <a:pPr algn="ctr"/>
+                      <a:r>
+                        <a:rPr lang="en-US" sz="1800" b="0" i="0" kern="1200" dirty="0">
+                          <a:solidFill>
+                            <a:schemeClr val="dk1"/>
+                          </a:solidFill>
+                          <a:effectLst/>
+                          <a:latin typeface="+mn-lt"/>
+                          <a:ea typeface="+mn-ea"/>
+                          <a:cs typeface="+mn-cs"/>
+                        </a:rPr>
+                        <a:t>68706</a:t>
+                      </a:r>
+                      <a:endParaRPr lang="en-US" dirty="0"/>
+                    </a:p>
+                  </a:txBody>
+                  <a:tcPr/>
+                </a:tc>
+                <a:tc>
+                  <a:txBody>
+                    <a:bodyPr/>
+                    <a:lstStyle/>
+                    <a:p>
+                      <a:pPr algn="ctr"/>
+                      <a:r>
+                        <a:rPr lang="en-US" dirty="0"/>
+                        <a:t>8.05</a:t>
+                      </a:r>
+                    </a:p>
+                  </a:txBody>
+                  <a:tcPr/>
+                </a:tc>
+                <a:tc>
+                  <a:txBody>
+                    <a:bodyPr/>
+                    <a:lstStyle/>
+                    <a:p>
+                      <a:pPr algn="ctr"/>
+                      <a:r>
+                        <a:rPr lang="en-US" dirty="0"/>
+                        <a:t>6.3</a:t>
+                      </a:r>
+                    </a:p>
+                  </a:txBody>
+                  <a:tcPr/>
+                </a:tc>
+                <a:tc>
+                  <a:txBody>
+                    <a:bodyPr/>
+                    <a:lstStyle/>
+                    <a:p>
+                      <a:pPr algn="ctr"/>
+                      <a:r>
+                        <a:rPr lang="en-US" dirty="0"/>
+                        <a:t>9.5</a:t>
+                      </a:r>
+                    </a:p>
+                  </a:txBody>
+                  <a:tcPr/>
+                </a:tc>
+                <a:tc>
+                  <a:txBody>
+                    <a:bodyPr/>
+                    <a:lstStyle/>
+                    <a:p>
+                      <a:pPr algn="ctr"/>
+                      <a:r>
+                        <a:rPr lang="en-US" dirty="0"/>
+                        <a:t>7.52</a:t>
+                      </a:r>
+                    </a:p>
+                  </a:txBody>
+                  <a:tcPr/>
+                </a:tc>
+                <a:tc>
+                  <a:txBody>
+                    <a:bodyPr/>
+                    <a:lstStyle/>
+                    <a:p>
+                      <a:pPr algn="ctr"/>
+                      <a:r>
+                        <a:rPr lang="en-US" dirty="0"/>
+                        <a:t>1</a:t>
+                      </a:r>
+                    </a:p>
+                  </a:txBody>
+                  <a:tcPr/>
+                </a:tc>
+                <a:tc>
+                  <a:txBody>
+                    <a:bodyPr/>
+                    <a:lstStyle/>
+                    <a:p>
+                      <a:pPr algn="ctr"/>
+                      <a:r>
+                        <a:rPr lang="en-US" dirty="0"/>
+                        <a:t>26</a:t>
+                      </a:r>
+                    </a:p>
+                  </a:txBody>
+                  <a:tcPr/>
+                </a:tc>
+                <a:extLst>
+                  <a:ext uri="{0D108BD9-81ED-4DB2-BD59-A6C34878D82A}">
+                    <a16:rowId xmlns:a16="http://schemas.microsoft.com/office/drawing/2014/main" val="3280139755"/>
+                  </a:ext>
+                </a:extLst>
+              </a:tr>
+            </a:tbl>
+          </a:graphicData>
+        </a:graphic>
+      </p:graphicFrame>
+    </p:spTree>
+    <p:extLst>
+      <p:ext uri="{BB962C8B-B14F-4D97-AF65-F5344CB8AC3E}">
+        <p14:creationId xmlns:p14="http://schemas.microsoft.com/office/powerpoint/2010/main" val="1596191455"/>
+      </p:ext>
+    </p:extLst>
+  </p:cSld>
+  <p:clrMapOvr>
+    <a:masterClrMapping/>
+  </p:clrMapOvr>
+</p:sld>
+</file>
+
+<file path=ppt/slides/slide11.xml><?xml version="1.0" encoding="utf-8"?>
+<p:sld xmlns:a="http://schemas.openxmlformats.org/drawingml/2006/main" xmlns:r="http://schemas.openxmlformats.org/officeDocument/2006/relationships" xmlns:p="http://schemas.openxmlformats.org/presentationml/2006/main">
+  <p:cSld>
+    <p:spTree>
+      <p:nvGrpSpPr>
+        <p:cNvPr id="1" name=""/>
+        <p:cNvGrpSpPr/>
+        <p:nvPr/>
+      </p:nvGrpSpPr>
+      <p:grpSpPr>
+        <a:xfrm>
+          <a:off x="0" y="0"/>
+          <a:ext cx="0" cy="0"/>
+          <a:chOff x="0" y="0"/>
+          <a:chExt cx="0" cy="0"/>
+        </a:xfrm>
+      </p:grpSpPr>
+      <p:sp>
+        <p:nvSpPr>
+          <p:cNvPr id="2" name="Title 1">
+            <a:extLst>
+              <a:ext uri="{FF2B5EF4-FFF2-40B4-BE49-F238E27FC236}">
+                <a16:creationId xmlns:a16="http://schemas.microsoft.com/office/drawing/2014/main" id="{8B1BC33C-D8C2-5D49-91E5-D450123FCE4F}"/>
+              </a:ext>
+            </a:extLst>
+          </p:cNvPr>
+          <p:cNvSpPr>
+            <a:spLocks noGrp="1"/>
+          </p:cNvSpPr>
+          <p:nvPr>
+            <p:ph type="title"/>
+          </p:nvPr>
+        </p:nvSpPr>
+        <p:spPr/>
+        <p:txBody>
+          <a:bodyPr/>
+          <a:lstStyle/>
+          <a:p>
+            <a:r>
+              <a:rPr lang="en-US" dirty="0"/>
+              <a:t>Authors of the Recipe</a:t>
+            </a:r>
+          </a:p>
+        </p:txBody>
+      </p:sp>
+      <p:graphicFrame>
+        <p:nvGraphicFramePr>
+          <p:cNvPr id="4" name="Content Placeholder 3">
+            <a:extLst>
+              <a:ext uri="{FF2B5EF4-FFF2-40B4-BE49-F238E27FC236}">
+                <a16:creationId xmlns:a16="http://schemas.microsoft.com/office/drawing/2014/main" id="{248FEBA4-44AF-2D49-8DCB-78DA845DA1E4}"/>
+              </a:ext>
+            </a:extLst>
+          </p:cNvPr>
+          <p:cNvGraphicFramePr>
+            <a:graphicFrameLocks noGrp="1"/>
+          </p:cNvGraphicFramePr>
+          <p:nvPr>
+            <p:ph idx="1"/>
+            <p:extLst>
+              <p:ext uri="{D42A27DB-BD31-4B8C-83A1-F6EECF244321}">
+                <p14:modId xmlns:p14="http://schemas.microsoft.com/office/powerpoint/2010/main" val="3877199510"/>
+              </p:ext>
+            </p:extLst>
+          </p:nvPr>
+        </p:nvGraphicFramePr>
+        <p:xfrm>
+          <a:off x="385762" y="2638424"/>
+          <a:ext cx="10829925" cy="3132306"/>
+        </p:xfrm>
+        <a:graphic>
+          <a:graphicData uri="http://schemas.openxmlformats.org/drawingml/2006/table">
+            <a:tbl>
+              <a:tblPr firstRow="1" firstCol="1" bandRow="1">
+                <a:tableStyleId>{5C22544A-7EE6-4342-B048-85BDC9FD1C3A}</a:tableStyleId>
+              </a:tblPr>
+              <a:tblGrid>
+                <a:gridCol w="3411960">
+                  <a:extLst>
+                    <a:ext uri="{9D8B030D-6E8A-4147-A177-3AD203B41FA5}">
+                      <a16:colId xmlns:a16="http://schemas.microsoft.com/office/drawing/2014/main" val="4014406382"/>
+                    </a:ext>
+                  </a:extLst>
+                </a:gridCol>
+                <a:gridCol w="2711289">
+                  <a:extLst>
+                    <a:ext uri="{9D8B030D-6E8A-4147-A177-3AD203B41FA5}">
+                      <a16:colId xmlns:a16="http://schemas.microsoft.com/office/drawing/2014/main" val="452520256"/>
+                    </a:ext>
+                  </a:extLst>
+                </a:gridCol>
+                <a:gridCol w="1999195">
+                  <a:extLst>
+                    <a:ext uri="{9D8B030D-6E8A-4147-A177-3AD203B41FA5}">
+                      <a16:colId xmlns:a16="http://schemas.microsoft.com/office/drawing/2014/main" val="1100269588"/>
+                    </a:ext>
+                  </a:extLst>
+                </a:gridCol>
+                <a:gridCol w="2707481">
+                  <a:extLst>
+                    <a:ext uri="{9D8B030D-6E8A-4147-A177-3AD203B41FA5}">
+                      <a16:colId xmlns:a16="http://schemas.microsoft.com/office/drawing/2014/main" val="1917682949"/>
+                    </a:ext>
+                  </a:extLst>
+                </a:gridCol>
+              </a:tblGrid>
+              <a:tr h="617382">
+                <a:tc>
+                  <a:txBody>
+                    <a:bodyPr/>
+                    <a:lstStyle/>
+                    <a:p>
+                      <a:pPr algn="ctr"/>
+                      <a:endParaRPr lang="en-US" dirty="0"/>
+                    </a:p>
+                  </a:txBody>
+                  <a:tcPr/>
+                </a:tc>
+                <a:tc>
+                  <a:txBody>
+                    <a:bodyPr/>
+                    <a:lstStyle/>
+                    <a:p>
+                      <a:pPr algn="ctr"/>
+                      <a:r>
+                        <a:rPr lang="en-US" dirty="0"/>
+                        <a:t>Number of Attempts</a:t>
+                      </a:r>
+                    </a:p>
+                  </a:txBody>
+                  <a:tcPr/>
+                </a:tc>
+                <a:tc>
+                  <a:txBody>
+                    <a:bodyPr/>
+                    <a:lstStyle/>
+                    <a:p>
+                      <a:pPr algn="ctr"/>
+                      <a:r>
+                        <a:rPr lang="en-US" dirty="0"/>
+                        <a:t>Ratings</a:t>
+                      </a:r>
+                    </a:p>
+                  </a:txBody>
+                  <a:tcPr/>
+                </a:tc>
+                <a:tc>
+                  <a:txBody>
+                    <a:bodyPr/>
+                    <a:lstStyle/>
+                    <a:p>
+                      <a:pPr algn="ctr"/>
+                      <a:r>
+                        <a:rPr lang="en-US" dirty="0"/>
+                        <a:t>Number of Ingredients</a:t>
+                      </a:r>
+                    </a:p>
+                  </a:txBody>
+                  <a:tcPr/>
+                </a:tc>
+                <a:extLst>
+                  <a:ext uri="{0D108BD9-81ED-4DB2-BD59-A6C34878D82A}">
+                    <a16:rowId xmlns:a16="http://schemas.microsoft.com/office/drawing/2014/main" val="1415790930"/>
+                  </a:ext>
+                </a:extLst>
+              </a:tr>
+              <a:tr h="617382">
+                <a:tc>
+                  <a:txBody>
+                    <a:bodyPr/>
+                    <a:lstStyle/>
+                    <a:p>
+                      <a:pPr algn="ctr"/>
+                      <a:r>
+                        <a:rPr lang="en-US" dirty="0"/>
+                        <a:t>Authors of 20 or more recipes</a:t>
+                      </a:r>
+                    </a:p>
+                  </a:txBody>
+                  <a:tcPr/>
+                </a:tc>
+                <a:tc>
+                  <a:txBody>
+                    <a:bodyPr/>
+                    <a:lstStyle/>
+                    <a:p>
+                      <a:pPr algn="ctr"/>
+                      <a:r>
+                        <a:rPr lang="en-US" b="0" dirty="0"/>
+                        <a:t>867.89</a:t>
+                      </a:r>
+                    </a:p>
+                  </a:txBody>
+                  <a:tcPr/>
+                </a:tc>
+                <a:tc>
+                  <a:txBody>
+                    <a:bodyPr/>
+                    <a:lstStyle/>
+                    <a:p>
+                      <a:pPr algn="ctr"/>
+                      <a:r>
+                        <a:rPr lang="en-US" b="0" dirty="0"/>
+                        <a:t>8.10</a:t>
+                      </a:r>
+                    </a:p>
+                  </a:txBody>
+                  <a:tcPr/>
+                </a:tc>
+                <a:tc>
+                  <a:txBody>
+                    <a:bodyPr/>
+                    <a:lstStyle/>
+                    <a:p>
+                      <a:pPr algn="ctr"/>
+                      <a:r>
+                        <a:rPr lang="en-US" b="0" dirty="0"/>
+                        <a:t>8.39</a:t>
+                      </a:r>
+                    </a:p>
+                  </a:txBody>
+                  <a:tcPr/>
+                </a:tc>
+                <a:extLst>
+                  <a:ext uri="{0D108BD9-81ED-4DB2-BD59-A6C34878D82A}">
+                    <a16:rowId xmlns:a16="http://schemas.microsoft.com/office/drawing/2014/main" val="2909689621"/>
+                  </a:ext>
+                </a:extLst>
+              </a:tr>
+              <a:tr h="617382">
+                <a:tc>
+                  <a:txBody>
+                    <a:bodyPr/>
+                    <a:lstStyle/>
+                    <a:p>
+                      <a:pPr marL="0" marR="0" lvl="0" indent="0" algn="ctr" defTabSz="914400" rtl="0" eaLnBrk="1" fontAlgn="auto" latinLnBrk="0" hangingPunct="1">
+                        <a:lnSpc>
+                          <a:spcPct val="100000"/>
+                        </a:lnSpc>
+                        <a:spcBef>
+                          <a:spcPts val="0"/>
+                        </a:spcBef>
+                        <a:spcAft>
+                          <a:spcPts val="0"/>
+                        </a:spcAft>
+                        <a:buClrTx/>
+                        <a:buSzTx/>
+                        <a:buFontTx/>
+                        <a:buNone/>
+                        <a:tabLst/>
+                        <a:defRPr/>
+                      </a:pPr>
+                      <a:r>
+                        <a:rPr lang="en-US" dirty="0"/>
+                        <a:t>Authors of 15 or more recipes</a:t>
+                      </a:r>
+                    </a:p>
+                    <a:p>
+                      <a:pPr algn="ctr"/>
+                      <a:endParaRPr lang="en-US" dirty="0"/>
+                    </a:p>
+                  </a:txBody>
+                  <a:tcPr/>
+                </a:tc>
+                <a:tc>
+                  <a:txBody>
+                    <a:bodyPr/>
+                    <a:lstStyle/>
+                    <a:p>
+                      <a:pPr algn="ctr"/>
+                      <a:r>
+                        <a:rPr lang="en-US" b="0" dirty="0"/>
+                        <a:t>927.14</a:t>
+                      </a:r>
+                    </a:p>
+                  </a:txBody>
+                  <a:tcPr/>
+                </a:tc>
+                <a:tc>
+                  <a:txBody>
+                    <a:bodyPr/>
+                    <a:lstStyle/>
+                    <a:p>
+                      <a:pPr algn="ctr"/>
+                      <a:r>
+                        <a:rPr lang="en-US" b="0" dirty="0"/>
+                        <a:t>8.05</a:t>
+                      </a:r>
+                    </a:p>
+                  </a:txBody>
+                  <a:tcPr/>
+                </a:tc>
+                <a:tc>
+                  <a:txBody>
+                    <a:bodyPr/>
+                    <a:lstStyle/>
+                    <a:p>
+                      <a:pPr algn="ctr"/>
+                      <a:r>
+                        <a:rPr lang="en-US" b="0" dirty="0"/>
+                        <a:t>8.35</a:t>
+                      </a:r>
+                    </a:p>
+                  </a:txBody>
+                  <a:tcPr/>
+                </a:tc>
+                <a:extLst>
+                  <a:ext uri="{0D108BD9-81ED-4DB2-BD59-A6C34878D82A}">
+                    <a16:rowId xmlns:a16="http://schemas.microsoft.com/office/drawing/2014/main" val="3641919598"/>
+                  </a:ext>
+                </a:extLst>
+              </a:tr>
+              <a:tr h="607047">
+                <a:tc>
+                  <a:txBody>
+                    <a:bodyPr/>
+                    <a:lstStyle/>
+                    <a:p>
+                      <a:pPr marL="0" marR="0" lvl="0" indent="0" algn="ctr" defTabSz="914400" rtl="0" eaLnBrk="1" fontAlgn="auto" latinLnBrk="0" hangingPunct="1">
+                        <a:lnSpc>
+                          <a:spcPct val="100000"/>
+                        </a:lnSpc>
+                        <a:spcBef>
+                          <a:spcPts val="0"/>
+                        </a:spcBef>
+                        <a:spcAft>
+                          <a:spcPts val="0"/>
+                        </a:spcAft>
+                        <a:buClrTx/>
+                        <a:buSzTx/>
+                        <a:buFontTx/>
+                        <a:buNone/>
+                        <a:tabLst/>
+                        <a:defRPr/>
+                      </a:pPr>
+                      <a:r>
+                        <a:rPr lang="en-US" dirty="0"/>
+                        <a:t>Authors of 10 or more recipes</a:t>
+                      </a:r>
+                    </a:p>
+                    <a:p>
+                      <a:pPr algn="ctr"/>
+                      <a:endParaRPr lang="en-US" dirty="0"/>
+                    </a:p>
+                  </a:txBody>
+                  <a:tcPr/>
+                </a:tc>
+                <a:tc>
+                  <a:txBody>
+                    <a:bodyPr/>
+                    <a:lstStyle/>
+                    <a:p>
+                      <a:pPr algn="ctr"/>
+                      <a:r>
+                        <a:rPr lang="en-US" b="0" dirty="0"/>
+                        <a:t>944.15</a:t>
+                      </a:r>
+                    </a:p>
+                  </a:txBody>
+                  <a:tcPr/>
+                </a:tc>
+                <a:tc>
+                  <a:txBody>
+                    <a:bodyPr/>
+                    <a:lstStyle/>
+                    <a:p>
+                      <a:pPr algn="ctr"/>
+                      <a:r>
+                        <a:rPr lang="en-US" b="0" dirty="0"/>
+                        <a:t>8.00</a:t>
+                      </a:r>
+                    </a:p>
+                  </a:txBody>
+                  <a:tcPr/>
+                </a:tc>
+                <a:tc>
+                  <a:txBody>
+                    <a:bodyPr/>
+                    <a:lstStyle/>
+                    <a:p>
+                      <a:pPr algn="ctr"/>
+                      <a:r>
+                        <a:rPr lang="en-US" b="0" u="none" dirty="0"/>
+                        <a:t>8.15</a:t>
+                      </a:r>
+                    </a:p>
+                  </a:txBody>
+                  <a:tcPr/>
+                </a:tc>
+                <a:extLst>
+                  <a:ext uri="{0D108BD9-81ED-4DB2-BD59-A6C34878D82A}">
+                    <a16:rowId xmlns:a16="http://schemas.microsoft.com/office/drawing/2014/main" val="4173464892"/>
+                  </a:ext>
+                </a:extLst>
+              </a:tr>
+              <a:tr h="617382">
+                <a:tc>
+                  <a:txBody>
+                    <a:bodyPr/>
+                    <a:lstStyle/>
+                    <a:p>
+                      <a:pPr algn="ctr"/>
+                      <a:r>
+                        <a:rPr lang="en-US" dirty="0"/>
+                        <a:t>Overall Average</a:t>
+                      </a:r>
+                    </a:p>
+                  </a:txBody>
+                  <a:tcPr/>
+                </a:tc>
+                <a:tc>
+                  <a:txBody>
+                    <a:bodyPr/>
+                    <a:lstStyle/>
+                    <a:p>
+                      <a:pPr algn="ctr"/>
+                      <a:r>
+                        <a:rPr lang="en-US" b="0" dirty="0"/>
+                        <a:t>844.68</a:t>
+                      </a:r>
+                    </a:p>
+                  </a:txBody>
+                  <a:tcPr/>
+                </a:tc>
+                <a:tc>
+                  <a:txBody>
+                    <a:bodyPr/>
+                    <a:lstStyle/>
+                    <a:p>
+                      <a:pPr algn="ctr"/>
+                      <a:r>
+                        <a:rPr lang="en-US" b="0" dirty="0"/>
+                        <a:t>7.93</a:t>
+                      </a:r>
+                    </a:p>
+                  </a:txBody>
+                  <a:tcPr/>
+                </a:tc>
+                <a:tc>
+                  <a:txBody>
+                    <a:bodyPr/>
+                    <a:lstStyle/>
+                    <a:p>
+                      <a:pPr algn="ctr"/>
+                      <a:r>
+                        <a:rPr lang="en-US" b="0" dirty="0"/>
+                        <a:t>7.31</a:t>
+                      </a:r>
+                    </a:p>
+                  </a:txBody>
+                  <a:tcPr/>
+                </a:tc>
+                <a:extLst>
+                  <a:ext uri="{0D108BD9-81ED-4DB2-BD59-A6C34878D82A}">
+                    <a16:rowId xmlns:a16="http://schemas.microsoft.com/office/drawing/2014/main" val="104424073"/>
+                  </a:ext>
+                </a:extLst>
+              </a:tr>
+            </a:tbl>
+          </a:graphicData>
+        </a:graphic>
+      </p:graphicFrame>
+    </p:spTree>
+    <p:extLst>
+      <p:ext uri="{BB962C8B-B14F-4D97-AF65-F5344CB8AC3E}">
+        <p14:creationId xmlns:p14="http://schemas.microsoft.com/office/powerpoint/2010/main" val="417586709"/>
+      </p:ext>
+    </p:extLst>
+  </p:cSld>
+  <p:clrMapOvr>
+    <a:masterClrMapping/>
+  </p:clrMapOvr>
+</p:sld>
+</file>
+
+<file path=ppt/slides/slide12.xml><?xml version="1.0" encoding="utf-8"?>
+<p:sld xmlns:a="http://schemas.openxmlformats.org/drawingml/2006/main" xmlns:r="http://schemas.openxmlformats.org/officeDocument/2006/relationships" xmlns:p="http://schemas.openxmlformats.org/presentationml/2006/main">
+  <p:cSld>
+    <p:spTree>
+      <p:nvGrpSpPr>
+        <p:cNvPr id="1" name=""/>
+        <p:cNvGrpSpPr/>
+        <p:nvPr/>
+      </p:nvGrpSpPr>
+      <p:grpSpPr>
+        <a:xfrm>
+          <a:off x="0" y="0"/>
+          <a:ext cx="0" cy="0"/>
+          <a:chOff x="0" y="0"/>
+          <a:chExt cx="0" cy="0"/>
+        </a:xfrm>
+      </p:grpSpPr>
+      <p:sp>
+        <p:nvSpPr>
+          <p:cNvPr id="2" name="Title 1">
+            <a:extLst>
+              <a:ext uri="{FF2B5EF4-FFF2-40B4-BE49-F238E27FC236}">
+                <a16:creationId xmlns:a16="http://schemas.microsoft.com/office/drawing/2014/main" id="{76DE8816-DFE3-AA49-8975-D4002434FD07}"/>
+              </a:ext>
+            </a:extLst>
+          </p:cNvPr>
+          <p:cNvSpPr>
+            <a:spLocks noGrp="1"/>
+          </p:cNvSpPr>
+          <p:nvPr>
+            <p:ph type="title"/>
+          </p:nvPr>
+        </p:nvSpPr>
+        <p:spPr/>
+        <p:txBody>
+          <a:bodyPr/>
+          <a:lstStyle/>
+          <a:p>
+            <a:r>
+              <a:rPr lang="en-US" dirty="0"/>
+              <a:t>Authors and master cook</a:t>
+            </a:r>
+          </a:p>
+        </p:txBody>
+      </p:sp>
+      <p:pic>
+        <p:nvPicPr>
+          <p:cNvPr id="5" name="Content Placeholder 4" descr="A close up of a map&#10;&#10;Description automatically generated">
+            <a:extLst>
+              <a:ext uri="{FF2B5EF4-FFF2-40B4-BE49-F238E27FC236}">
+                <a16:creationId xmlns:a16="http://schemas.microsoft.com/office/drawing/2014/main" id="{5E3E1C7B-62D2-1A4B-9CF2-5057A8627549}"/>
+              </a:ext>
+            </a:extLst>
+          </p:cNvPr>
+          <p:cNvPicPr>
+            <a:picLocks noGrp="1" noChangeAspect="1"/>
+          </p:cNvPicPr>
+          <p:nvPr>
+            <p:ph idx="1"/>
+          </p:nvPr>
+        </p:nvPicPr>
+        <p:blipFill>
+          <a:blip r:embed="rId2"/>
+          <a:stretch>
+            <a:fillRect/>
+          </a:stretch>
+        </p:blipFill>
+        <p:spPr>
+          <a:xfrm>
+            <a:off x="3056405" y="2357437"/>
+            <a:ext cx="5844707" cy="4237037"/>
+          </a:xfrm>
+        </p:spPr>
+      </p:pic>
+    </p:spTree>
+    <p:extLst>
+      <p:ext uri="{BB962C8B-B14F-4D97-AF65-F5344CB8AC3E}">
+        <p14:creationId xmlns:p14="http://schemas.microsoft.com/office/powerpoint/2010/main" val="1244601858"/>
+      </p:ext>
+    </p:extLst>
+  </p:cSld>
+  <p:clrMapOvr>
+    <a:masterClrMapping/>
+  </p:clrMapOvr>
+</p:sld>
+</file>
+
+<file path=ppt/slides/slide13.xml><?xml version="1.0" encoding="utf-8"?>
+<p:sld xmlns:a="http://schemas.openxmlformats.org/drawingml/2006/main" xmlns:r="http://schemas.openxmlformats.org/officeDocument/2006/relationships" xmlns:p="http://schemas.openxmlformats.org/presentationml/2006/main">
+  <p:cSld>
     <p:bg>
       <p:bgPr>
         <a:solidFill>
@@ -3592,7 +4976,7 @@
 </p:sld>
 </file>
 
-<file path=ppt/slides/slide11.xml><?xml version="1.0" encoding="utf-8"?>
+<file path=ppt/slides/slide14.xml><?xml version="1.0" encoding="utf-8"?>
 <p:sld xmlns:a="http://schemas.openxmlformats.org/drawingml/2006/main" xmlns:r="http://schemas.openxmlformats.org/officeDocument/2006/relationships" xmlns:p="http://schemas.openxmlformats.org/presentationml/2006/main">
   <p:cSld>
     <p:spTree>
@@ -3709,7 +5093,7 @@
 </p:sld>
 </file>
 
-<file path=ppt/slides/slide12.xml><?xml version="1.0" encoding="utf-8"?>
+<file path=ppt/slides/slide15.xml><?xml version="1.0" encoding="utf-8"?>
 <p:sld xmlns:a="http://schemas.openxmlformats.org/drawingml/2006/main" xmlns:r="http://schemas.openxmlformats.org/officeDocument/2006/relationships" xmlns:p="http://schemas.openxmlformats.org/presentationml/2006/main">
   <p:cSld>
     <p:spTree>
@@ -3763,19 +5147,17 @@
       </p:sp>
       <p:pic>
         <p:nvPicPr>
-          <p:cNvPr id="5" name="Content Placeholder 4" descr="A screenshot of a cell phone&#10;&#10;Description automatically generated">
+          <p:cNvPr id="4" name="Picture 3" descr="A screenshot of a cell phone&#10;&#10;Description automatically generated">
             <a:extLst>
               <a:ext uri="{FF2B5EF4-FFF2-40B4-BE49-F238E27FC236}">
-                <a16:creationId xmlns:a16="http://schemas.microsoft.com/office/drawing/2014/main" id="{1575DF55-8952-D342-9C5B-BCD01DF98BC3}"/>
+                <a16:creationId xmlns:a16="http://schemas.microsoft.com/office/drawing/2014/main" id="{85701E28-9EB5-8F47-8391-D39C2DA66845}"/>
               </a:ext>
             </a:extLst>
           </p:cNvPr>
           <p:cNvPicPr>
-            <a:picLocks noGrp="1" noChangeAspect="1"/>
+            <a:picLocks noChangeAspect="1"/>
           </p:cNvPicPr>
-          <p:nvPr>
-            <p:ph idx="1"/>
-          </p:nvPr>
+          <p:nvPr/>
         </p:nvPicPr>
         <p:blipFill>
           <a:blip r:embed="rId2"/>
@@ -3785,9 +5167,12 @@
         </p:blipFill>
         <p:spPr>
           <a:xfrm>
-            <a:off x="3181350" y="2361050"/>
-            <a:ext cx="5829300" cy="4193528"/>
+            <a:off x="3221038" y="2282000"/>
+            <a:ext cx="6065838" cy="4363690"/>
           </a:xfrm>
+          <a:prstGeom prst="rect">
+            <a:avLst/>
+          </a:prstGeom>
         </p:spPr>
       </p:pic>
     </p:spTree>
@@ -3803,7 +5188,7 @@
 </p:sld>
 </file>
 
-<file path=ppt/slides/slide13.xml><?xml version="1.0" encoding="utf-8"?>
+<file path=ppt/slides/slide16.xml><?xml version="1.0" encoding="utf-8"?>
 <p:sld xmlns:a="http://schemas.openxmlformats.org/drawingml/2006/main" xmlns:r="http://schemas.openxmlformats.org/officeDocument/2006/relationships" xmlns:p="http://schemas.openxmlformats.org/presentationml/2006/main">
   <p:cSld>
     <p:spTree>
@@ -3857,19 +5242,17 @@
       </p:sp>
       <p:pic>
         <p:nvPicPr>
-          <p:cNvPr id="5" name="Content Placeholder 4" descr="A screenshot of a cell phone&#10;&#10;Description automatically generated">
+          <p:cNvPr id="4" name="Picture 3" descr="A screenshot of a cell phone&#10;&#10;Description automatically generated">
             <a:extLst>
               <a:ext uri="{FF2B5EF4-FFF2-40B4-BE49-F238E27FC236}">
-                <a16:creationId xmlns:a16="http://schemas.microsoft.com/office/drawing/2014/main" id="{80D81AEE-E429-E148-933F-257AFF5A4064}"/>
+                <a16:creationId xmlns:a16="http://schemas.microsoft.com/office/drawing/2014/main" id="{54392DFF-DBD4-1945-9A97-4257BADA58ED}"/>
               </a:ext>
             </a:extLst>
           </p:cNvPr>
           <p:cNvPicPr>
-            <a:picLocks noGrp="1" noChangeAspect="1"/>
+            <a:picLocks noChangeAspect="1"/>
           </p:cNvPicPr>
-          <p:nvPr>
-            <p:ph idx="1"/>
-          </p:nvPr>
+          <p:nvPr/>
         </p:nvPicPr>
         <p:blipFill>
           <a:blip r:embed="rId2"/>
@@ -3879,17 +5262,20 @@
         </p:blipFill>
         <p:spPr>
           <a:xfrm>
-            <a:off x="6446837" y="2384578"/>
-            <a:ext cx="5091113" cy="3580284"/>
+            <a:off x="254000" y="2538411"/>
+            <a:ext cx="5632450" cy="3659795"/>
           </a:xfrm>
+          <a:prstGeom prst="rect">
+            <a:avLst/>
+          </a:prstGeom>
         </p:spPr>
       </p:pic>
       <p:pic>
         <p:nvPicPr>
-          <p:cNvPr id="7" name="Picture 6" descr="A screenshot of a cell phone&#10;&#10;Description automatically generated">
+          <p:cNvPr id="6" name="Picture 5" descr="A screenshot of a cell phone&#10;&#10;Description automatically generated">
             <a:extLst>
               <a:ext uri="{FF2B5EF4-FFF2-40B4-BE49-F238E27FC236}">
-                <a16:creationId xmlns:a16="http://schemas.microsoft.com/office/drawing/2014/main" id="{98CF94CA-BEF2-FE4A-AB6B-7454FA6C9C14}"/>
+                <a16:creationId xmlns:a16="http://schemas.microsoft.com/office/drawing/2014/main" id="{07F9E317-E50E-3B40-B13E-11176693BB33}"/>
               </a:ext>
             </a:extLst>
           </p:cNvPr>
@@ -3906,8 +5292,8 @@
         </p:blipFill>
         <p:spPr>
           <a:xfrm>
-            <a:off x="654050" y="2398712"/>
-            <a:ext cx="4940300" cy="3581400"/>
+            <a:off x="6732399" y="2538412"/>
+            <a:ext cx="5048439" cy="3659794"/>
           </a:xfrm>
           <a:prstGeom prst="rect">
             <a:avLst/>
@@ -3927,7 +5313,7 @@
 </p:sld>
 </file>
 
-<file path=ppt/slides/slide14.xml><?xml version="1.0" encoding="utf-8"?>
+<file path=ppt/slides/slide17.xml><?xml version="1.0" encoding="utf-8"?>
 <p:sld xmlns:a="http://schemas.openxmlformats.org/drawingml/2006/main" xmlns:r="http://schemas.openxmlformats.org/officeDocument/2006/relationships" xmlns:p="http://schemas.openxmlformats.org/presentationml/2006/main">
   <p:cSld>
     <p:spTree>
@@ -4386,7 +5772,7 @@
 </p:sld>
 </file>
 
-<file path=ppt/slides/slide15.xml><?xml version="1.0" encoding="utf-8"?>
+<file path=ppt/slides/slide18.xml><?xml version="1.0" encoding="utf-8"?>
 <p:sld xmlns:a="http://schemas.openxmlformats.org/drawingml/2006/main" xmlns:r="http://schemas.openxmlformats.org/officeDocument/2006/relationships" xmlns:p="http://schemas.openxmlformats.org/presentationml/2006/main">
   <p:cSld>
     <p:spTree>
@@ -4880,7 +6266,7 @@
 </p:sld>
 </file>
 
-<file path=ppt/slides/slide16.xml><?xml version="1.0" encoding="utf-8"?>
+<file path=ppt/slides/slide19.xml><?xml version="1.0" encoding="utf-8"?>
 <p:sld xmlns:a="http://schemas.openxmlformats.org/drawingml/2006/main" xmlns:r="http://schemas.openxmlformats.org/officeDocument/2006/relationships" xmlns:p="http://schemas.openxmlformats.org/presentationml/2006/main">
   <p:cSld>
     <p:spTree>
@@ -5330,190 +6716,6 @@
     <p:extLst>
       <p:ext uri="{BB962C8B-B14F-4D97-AF65-F5344CB8AC3E}">
         <p14:creationId xmlns:p14="http://schemas.microsoft.com/office/powerpoint/2010/main" val="3621531981"/>
-      </p:ext>
-    </p:extLst>
-  </p:cSld>
-  <p:clrMapOvr>
-    <a:masterClrMapping/>
-  </p:clrMapOvr>
-</p:sld>
-</file>
-
-<file path=ppt/slides/slide17.xml><?xml version="1.0" encoding="utf-8"?>
-<p:sld xmlns:a="http://schemas.openxmlformats.org/drawingml/2006/main" xmlns:r="http://schemas.openxmlformats.org/officeDocument/2006/relationships" xmlns:p="http://schemas.openxmlformats.org/presentationml/2006/main">
-  <p:cSld>
-    <p:spTree>
-      <p:nvGrpSpPr>
-        <p:cNvPr id="1" name=""/>
-        <p:cNvGrpSpPr/>
-        <p:nvPr/>
-      </p:nvGrpSpPr>
-      <p:grpSpPr>
-        <a:xfrm>
-          <a:off x="0" y="0"/>
-          <a:ext cx="0" cy="0"/>
-          <a:chOff x="0" y="0"/>
-          <a:chExt cx="0" cy="0"/>
-        </a:xfrm>
-      </p:grpSpPr>
-      <p:sp>
-        <p:nvSpPr>
-          <p:cNvPr id="2" name="Title 1">
-            <a:extLst>
-              <a:ext uri="{FF2B5EF4-FFF2-40B4-BE49-F238E27FC236}">
-                <a16:creationId xmlns:a16="http://schemas.microsoft.com/office/drawing/2014/main" id="{8DA23197-E970-4D4C-8F03-524358DAB6C8}"/>
-              </a:ext>
-            </a:extLst>
-          </p:cNvPr>
-          <p:cNvSpPr>
-            <a:spLocks noGrp="1"/>
-          </p:cNvSpPr>
-          <p:nvPr>
-            <p:ph type="title"/>
-          </p:nvPr>
-        </p:nvSpPr>
-        <p:spPr/>
-        <p:txBody>
-          <a:bodyPr/>
-          <a:lstStyle/>
-          <a:p>
-            <a:r>
-              <a:rPr lang="en-US" dirty="0"/>
-              <a:t>Future work</a:t>
-            </a:r>
-          </a:p>
-        </p:txBody>
-      </p:sp>
-      <p:sp>
-        <p:nvSpPr>
-          <p:cNvPr id="3" name="Content Placeholder 2">
-            <a:extLst>
-              <a:ext uri="{FF2B5EF4-FFF2-40B4-BE49-F238E27FC236}">
-                <a16:creationId xmlns:a16="http://schemas.microsoft.com/office/drawing/2014/main" id="{DE9EBA3B-6771-D94E-9551-A3F7392B9BE3}"/>
-              </a:ext>
-            </a:extLst>
-          </p:cNvPr>
-          <p:cNvSpPr>
-            <a:spLocks noGrp="1"/>
-          </p:cNvSpPr>
-          <p:nvPr>
-            <p:ph idx="1"/>
-          </p:nvPr>
-        </p:nvSpPr>
-        <p:spPr/>
-        <p:txBody>
-          <a:bodyPr/>
-          <a:lstStyle/>
-          <a:p>
-            <a:r>
-              <a:rPr lang="en-US" dirty="0"/>
-              <a:t>Statistical analysis of exclusiveness, picture steps and master cooks.</a:t>
-            </a:r>
-          </a:p>
-          <a:p>
-            <a:r>
-              <a:rPr lang="en-US" dirty="0"/>
-              <a:t>Try to perform a more detailed classification of the ingredients.</a:t>
-            </a:r>
-          </a:p>
-          <a:p>
-            <a:r>
-              <a:rPr lang="en-US" dirty="0"/>
-              <a:t>If possible, scrape another similar website and see if certain conclusions about common combinations hold as well</a:t>
-            </a:r>
-          </a:p>
-          <a:p>
-            <a:endParaRPr lang="en-US" dirty="0"/>
-          </a:p>
-        </p:txBody>
-      </p:sp>
-    </p:spTree>
-    <p:extLst>
-      <p:ext uri="{BB962C8B-B14F-4D97-AF65-F5344CB8AC3E}">
-        <p14:creationId xmlns:p14="http://schemas.microsoft.com/office/powerpoint/2010/main" val="2428897641"/>
-      </p:ext>
-    </p:extLst>
-  </p:cSld>
-  <p:clrMapOvr>
-    <a:masterClrMapping/>
-  </p:clrMapOvr>
-</p:sld>
-</file>
-
-<file path=ppt/slides/slide18.xml><?xml version="1.0" encoding="utf-8"?>
-<p:sld xmlns:a="http://schemas.openxmlformats.org/drawingml/2006/main" xmlns:r="http://schemas.openxmlformats.org/officeDocument/2006/relationships" xmlns:p="http://schemas.openxmlformats.org/presentationml/2006/main">
-  <p:cSld>
-    <p:spTree>
-      <p:nvGrpSpPr>
-        <p:cNvPr id="1" name=""/>
-        <p:cNvGrpSpPr/>
-        <p:nvPr/>
-      </p:nvGrpSpPr>
-      <p:grpSpPr>
-        <a:xfrm>
-          <a:off x="0" y="0"/>
-          <a:ext cx="0" cy="0"/>
-          <a:chOff x="0" y="0"/>
-          <a:chExt cx="0" cy="0"/>
-        </a:xfrm>
-      </p:grpSpPr>
-      <p:sp>
-        <p:nvSpPr>
-          <p:cNvPr id="2" name="Title 1">
-            <a:extLst>
-              <a:ext uri="{FF2B5EF4-FFF2-40B4-BE49-F238E27FC236}">
-                <a16:creationId xmlns:a16="http://schemas.microsoft.com/office/drawing/2014/main" id="{3DB7FDA5-CE30-6944-A5C0-F8576BF32FCC}"/>
-              </a:ext>
-            </a:extLst>
-          </p:cNvPr>
-          <p:cNvSpPr>
-            <a:spLocks noGrp="1"/>
-          </p:cNvSpPr>
-          <p:nvPr>
-            <p:ph type="title"/>
-          </p:nvPr>
-        </p:nvSpPr>
-        <p:spPr/>
-        <p:txBody>
-          <a:bodyPr/>
-          <a:lstStyle/>
-          <a:p>
-            <a:r>
-              <a:rPr lang="en-US" dirty="0"/>
-              <a:t>Thanks.</a:t>
-            </a:r>
-          </a:p>
-        </p:txBody>
-      </p:sp>
-      <p:sp>
-        <p:nvSpPr>
-          <p:cNvPr id="3" name="Text Placeholder 2">
-            <a:extLst>
-              <a:ext uri="{FF2B5EF4-FFF2-40B4-BE49-F238E27FC236}">
-                <a16:creationId xmlns:a16="http://schemas.microsoft.com/office/drawing/2014/main" id="{C1FE98CA-905D-8546-9EA1-2A0B5B86EBAB}"/>
-              </a:ext>
-            </a:extLst>
-          </p:cNvPr>
-          <p:cNvSpPr>
-            <a:spLocks noGrp="1"/>
-          </p:cNvSpPr>
-          <p:nvPr>
-            <p:ph type="body" idx="1"/>
-          </p:nvPr>
-        </p:nvSpPr>
-        <p:spPr/>
-        <p:txBody>
-          <a:bodyPr/>
-          <a:lstStyle/>
-          <a:p>
-            <a:endParaRPr lang="en-US"/>
-          </a:p>
-        </p:txBody>
-      </p:sp>
-    </p:spTree>
-    <p:extLst>
-      <p:ext uri="{BB962C8B-B14F-4D97-AF65-F5344CB8AC3E}">
-        <p14:creationId xmlns:p14="http://schemas.microsoft.com/office/powerpoint/2010/main" val="3959167457"/>
       </p:ext>
     </p:extLst>
   </p:cSld>
@@ -6355,6 +7557,190 @@
     <p:extLst>
       <p:ext uri="{BB962C8B-B14F-4D97-AF65-F5344CB8AC3E}">
         <p14:creationId xmlns:p14="http://schemas.microsoft.com/office/powerpoint/2010/main" val="2205143116"/>
+      </p:ext>
+    </p:extLst>
+  </p:cSld>
+  <p:clrMapOvr>
+    <a:masterClrMapping/>
+  </p:clrMapOvr>
+</p:sld>
+</file>
+
+<file path=ppt/slides/slide20.xml><?xml version="1.0" encoding="utf-8"?>
+<p:sld xmlns:a="http://schemas.openxmlformats.org/drawingml/2006/main" xmlns:r="http://schemas.openxmlformats.org/officeDocument/2006/relationships" xmlns:p="http://schemas.openxmlformats.org/presentationml/2006/main">
+  <p:cSld>
+    <p:spTree>
+      <p:nvGrpSpPr>
+        <p:cNvPr id="1" name=""/>
+        <p:cNvGrpSpPr/>
+        <p:nvPr/>
+      </p:nvGrpSpPr>
+      <p:grpSpPr>
+        <a:xfrm>
+          <a:off x="0" y="0"/>
+          <a:ext cx="0" cy="0"/>
+          <a:chOff x="0" y="0"/>
+          <a:chExt cx="0" cy="0"/>
+        </a:xfrm>
+      </p:grpSpPr>
+      <p:sp>
+        <p:nvSpPr>
+          <p:cNvPr id="2" name="Title 1">
+            <a:extLst>
+              <a:ext uri="{FF2B5EF4-FFF2-40B4-BE49-F238E27FC236}">
+                <a16:creationId xmlns:a16="http://schemas.microsoft.com/office/drawing/2014/main" id="{8DA23197-E970-4D4C-8F03-524358DAB6C8}"/>
+              </a:ext>
+            </a:extLst>
+          </p:cNvPr>
+          <p:cNvSpPr>
+            <a:spLocks noGrp="1"/>
+          </p:cNvSpPr>
+          <p:nvPr>
+            <p:ph type="title"/>
+          </p:nvPr>
+        </p:nvSpPr>
+        <p:spPr/>
+        <p:txBody>
+          <a:bodyPr/>
+          <a:lstStyle/>
+          <a:p>
+            <a:r>
+              <a:rPr lang="en-US" dirty="0"/>
+              <a:t>Future work</a:t>
+            </a:r>
+          </a:p>
+        </p:txBody>
+      </p:sp>
+      <p:sp>
+        <p:nvSpPr>
+          <p:cNvPr id="3" name="Content Placeholder 2">
+            <a:extLst>
+              <a:ext uri="{FF2B5EF4-FFF2-40B4-BE49-F238E27FC236}">
+                <a16:creationId xmlns:a16="http://schemas.microsoft.com/office/drawing/2014/main" id="{DE9EBA3B-6771-D94E-9551-A3F7392B9BE3}"/>
+              </a:ext>
+            </a:extLst>
+          </p:cNvPr>
+          <p:cNvSpPr>
+            <a:spLocks noGrp="1"/>
+          </p:cNvSpPr>
+          <p:nvPr>
+            <p:ph idx="1"/>
+          </p:nvPr>
+        </p:nvSpPr>
+        <p:spPr/>
+        <p:txBody>
+          <a:bodyPr/>
+          <a:lstStyle/>
+          <a:p>
+            <a:r>
+              <a:rPr lang="en-US" dirty="0"/>
+              <a:t>Statistical analysis of exclusiveness, picture steps and master cooks.</a:t>
+            </a:r>
+          </a:p>
+          <a:p>
+            <a:r>
+              <a:rPr lang="en-US" dirty="0"/>
+              <a:t>Try to perform a more detailed classification of the ingredients.</a:t>
+            </a:r>
+          </a:p>
+          <a:p>
+            <a:r>
+              <a:rPr lang="en-US" dirty="0"/>
+              <a:t>If possible, scrape another similar website and see if certain conclusions about common combinations hold as well</a:t>
+            </a:r>
+          </a:p>
+          <a:p>
+            <a:endParaRPr lang="en-US" dirty="0"/>
+          </a:p>
+        </p:txBody>
+      </p:sp>
+    </p:spTree>
+    <p:extLst>
+      <p:ext uri="{BB962C8B-B14F-4D97-AF65-F5344CB8AC3E}">
+        <p14:creationId xmlns:p14="http://schemas.microsoft.com/office/powerpoint/2010/main" val="2428897641"/>
+      </p:ext>
+    </p:extLst>
+  </p:cSld>
+  <p:clrMapOvr>
+    <a:masterClrMapping/>
+  </p:clrMapOvr>
+</p:sld>
+</file>
+
+<file path=ppt/slides/slide21.xml><?xml version="1.0" encoding="utf-8"?>
+<p:sld xmlns:a="http://schemas.openxmlformats.org/drawingml/2006/main" xmlns:r="http://schemas.openxmlformats.org/officeDocument/2006/relationships" xmlns:p="http://schemas.openxmlformats.org/presentationml/2006/main">
+  <p:cSld>
+    <p:spTree>
+      <p:nvGrpSpPr>
+        <p:cNvPr id="1" name=""/>
+        <p:cNvGrpSpPr/>
+        <p:nvPr/>
+      </p:nvGrpSpPr>
+      <p:grpSpPr>
+        <a:xfrm>
+          <a:off x="0" y="0"/>
+          <a:ext cx="0" cy="0"/>
+          <a:chOff x="0" y="0"/>
+          <a:chExt cx="0" cy="0"/>
+        </a:xfrm>
+      </p:grpSpPr>
+      <p:sp>
+        <p:nvSpPr>
+          <p:cNvPr id="2" name="Title 1">
+            <a:extLst>
+              <a:ext uri="{FF2B5EF4-FFF2-40B4-BE49-F238E27FC236}">
+                <a16:creationId xmlns:a16="http://schemas.microsoft.com/office/drawing/2014/main" id="{3DB7FDA5-CE30-6944-A5C0-F8576BF32FCC}"/>
+              </a:ext>
+            </a:extLst>
+          </p:cNvPr>
+          <p:cNvSpPr>
+            <a:spLocks noGrp="1"/>
+          </p:cNvSpPr>
+          <p:nvPr>
+            <p:ph type="title"/>
+          </p:nvPr>
+        </p:nvSpPr>
+        <p:spPr/>
+        <p:txBody>
+          <a:bodyPr/>
+          <a:lstStyle/>
+          <a:p>
+            <a:r>
+              <a:rPr lang="en-US" dirty="0"/>
+              <a:t>Thanks.</a:t>
+            </a:r>
+          </a:p>
+        </p:txBody>
+      </p:sp>
+      <p:sp>
+        <p:nvSpPr>
+          <p:cNvPr id="3" name="Text Placeholder 2">
+            <a:extLst>
+              <a:ext uri="{FF2B5EF4-FFF2-40B4-BE49-F238E27FC236}">
+                <a16:creationId xmlns:a16="http://schemas.microsoft.com/office/drawing/2014/main" id="{C1FE98CA-905D-8546-9EA1-2A0B5B86EBAB}"/>
+              </a:ext>
+            </a:extLst>
+          </p:cNvPr>
+          <p:cNvSpPr>
+            <a:spLocks noGrp="1"/>
+          </p:cNvSpPr>
+          <p:nvPr>
+            <p:ph type="body" idx="1"/>
+          </p:nvPr>
+        </p:nvSpPr>
+        <p:spPr/>
+        <p:txBody>
+          <a:bodyPr/>
+          <a:lstStyle/>
+          <a:p>
+            <a:endParaRPr lang="en-US"/>
+          </a:p>
+        </p:txBody>
+      </p:sp>
+    </p:spTree>
+    <p:extLst>
+      <p:ext uri="{BB962C8B-B14F-4D97-AF65-F5344CB8AC3E}">
+        <p14:creationId xmlns:p14="http://schemas.microsoft.com/office/powerpoint/2010/main" val="3959167457"/>
       </p:ext>
     </p:extLst>
   </p:cSld>
@@ -7364,6 +8750,93 @@
           <p:cNvPr id="2" name="Title 1">
             <a:extLst>
               <a:ext uri="{FF2B5EF4-FFF2-40B4-BE49-F238E27FC236}">
+                <a16:creationId xmlns:a16="http://schemas.microsoft.com/office/drawing/2014/main" id="{924450BD-BE90-1F4A-B705-DC937D229CB0}"/>
+              </a:ext>
+            </a:extLst>
+          </p:cNvPr>
+          <p:cNvSpPr>
+            <a:spLocks noGrp="1"/>
+          </p:cNvSpPr>
+          <p:nvPr>
+            <p:ph type="title"/>
+          </p:nvPr>
+        </p:nvSpPr>
+        <p:spPr/>
+        <p:txBody>
+          <a:bodyPr/>
+          <a:lstStyle/>
+          <a:p>
+            <a:r>
+              <a:rPr lang="en-US" dirty="0"/>
+              <a:t>Exclusiveness and ratings</a:t>
+            </a:r>
+          </a:p>
+        </p:txBody>
+      </p:sp>
+      <p:pic>
+        <p:nvPicPr>
+          <p:cNvPr id="5" name="Content Placeholder 4" descr="A screenshot of a video game&#10;&#10;Description automatically generated">
+            <a:extLst>
+              <a:ext uri="{FF2B5EF4-FFF2-40B4-BE49-F238E27FC236}">
+                <a16:creationId xmlns:a16="http://schemas.microsoft.com/office/drawing/2014/main" id="{3E68A64A-7B87-A047-AB63-118FFC752149}"/>
+              </a:ext>
+            </a:extLst>
+          </p:cNvPr>
+          <p:cNvPicPr>
+            <a:picLocks noGrp="1" noChangeAspect="1"/>
+          </p:cNvPicPr>
+          <p:nvPr>
+            <p:ph idx="1"/>
+          </p:nvPr>
+        </p:nvPicPr>
+        <p:blipFill>
+          <a:blip r:embed="rId2"/>
+          <a:stretch>
+            <a:fillRect/>
+          </a:stretch>
+        </p:blipFill>
+        <p:spPr>
+          <a:xfrm>
+            <a:off x="3373671" y="2495550"/>
+            <a:ext cx="5444657" cy="3947027"/>
+          </a:xfrm>
+        </p:spPr>
+      </p:pic>
+    </p:spTree>
+    <p:extLst>
+      <p:ext uri="{BB962C8B-B14F-4D97-AF65-F5344CB8AC3E}">
+        <p14:creationId xmlns:p14="http://schemas.microsoft.com/office/powerpoint/2010/main" val="2157728762"/>
+      </p:ext>
+    </p:extLst>
+  </p:cSld>
+  <p:clrMapOvr>
+    <a:masterClrMapping/>
+  </p:clrMapOvr>
+</p:sld>
+</file>
+
+<file path=ppt/slides/slide6.xml><?xml version="1.0" encoding="utf-8"?>
+<p:sld xmlns:a="http://schemas.openxmlformats.org/drawingml/2006/main" xmlns:r="http://schemas.openxmlformats.org/officeDocument/2006/relationships" xmlns:p="http://schemas.openxmlformats.org/presentationml/2006/main">
+  <p:cSld>
+    <p:spTree>
+      <p:nvGrpSpPr>
+        <p:cNvPr id="1" name=""/>
+        <p:cNvGrpSpPr/>
+        <p:nvPr/>
+      </p:nvGrpSpPr>
+      <p:grpSpPr>
+        <a:xfrm>
+          <a:off x="0" y="0"/>
+          <a:ext cx="0" cy="0"/>
+          <a:chOff x="0" y="0"/>
+          <a:chExt cx="0" cy="0"/>
+        </a:xfrm>
+      </p:grpSpPr>
+      <p:sp>
+        <p:nvSpPr>
+          <p:cNvPr id="2" name="Title 1">
+            <a:extLst>
+              <a:ext uri="{FF2B5EF4-FFF2-40B4-BE49-F238E27FC236}">
                 <a16:creationId xmlns:a16="http://schemas.microsoft.com/office/drawing/2014/main" id="{09E89722-4E25-D34F-BA71-57DB81ECE8AD}"/>
               </a:ext>
             </a:extLst>
@@ -8179,7 +9652,94 @@
 </p:sld>
 </file>
 
-<file path=ppt/slides/slide6.xml><?xml version="1.0" encoding="utf-8"?>
+<file path=ppt/slides/slide7.xml><?xml version="1.0" encoding="utf-8"?>
+<p:sld xmlns:a="http://schemas.openxmlformats.org/drawingml/2006/main" xmlns:r="http://schemas.openxmlformats.org/officeDocument/2006/relationships" xmlns:p="http://schemas.openxmlformats.org/presentationml/2006/main">
+  <p:cSld>
+    <p:spTree>
+      <p:nvGrpSpPr>
+        <p:cNvPr id="1" name=""/>
+        <p:cNvGrpSpPr/>
+        <p:nvPr/>
+      </p:nvGrpSpPr>
+      <p:grpSpPr>
+        <a:xfrm>
+          <a:off x="0" y="0"/>
+          <a:ext cx="0" cy="0"/>
+          <a:chOff x="0" y="0"/>
+          <a:chExt cx="0" cy="0"/>
+        </a:xfrm>
+      </p:grpSpPr>
+      <p:sp>
+        <p:nvSpPr>
+          <p:cNvPr id="2" name="Title 1">
+            <a:extLst>
+              <a:ext uri="{FF2B5EF4-FFF2-40B4-BE49-F238E27FC236}">
+                <a16:creationId xmlns:a16="http://schemas.microsoft.com/office/drawing/2014/main" id="{E5510D45-BD60-8D4B-A48E-27C8DEA3761B}"/>
+              </a:ext>
+            </a:extLst>
+          </p:cNvPr>
+          <p:cNvSpPr>
+            <a:spLocks noGrp="1"/>
+          </p:cNvSpPr>
+          <p:nvPr>
+            <p:ph type="title"/>
+          </p:nvPr>
+        </p:nvSpPr>
+        <p:spPr/>
+        <p:txBody>
+          <a:bodyPr/>
+          <a:lstStyle/>
+          <a:p>
+            <a:r>
+              <a:rPr lang="en-US" dirty="0"/>
+              <a:t>Picture Steps and Ratings</a:t>
+            </a:r>
+          </a:p>
+        </p:txBody>
+      </p:sp>
+      <p:pic>
+        <p:nvPicPr>
+          <p:cNvPr id="5" name="Content Placeholder 4" descr="A screenshot of a video game&#10;&#10;Description automatically generated">
+            <a:extLst>
+              <a:ext uri="{FF2B5EF4-FFF2-40B4-BE49-F238E27FC236}">
+                <a16:creationId xmlns:a16="http://schemas.microsoft.com/office/drawing/2014/main" id="{D477BFAD-EBF7-9F4C-8C3A-C97DED6B7F5F}"/>
+              </a:ext>
+            </a:extLst>
+          </p:cNvPr>
+          <p:cNvPicPr>
+            <a:picLocks noGrp="1" noChangeAspect="1"/>
+          </p:cNvPicPr>
+          <p:nvPr>
+            <p:ph idx="1"/>
+          </p:nvPr>
+        </p:nvPicPr>
+        <p:blipFill>
+          <a:blip r:embed="rId2"/>
+          <a:stretch>
+            <a:fillRect/>
+          </a:stretch>
+        </p:blipFill>
+        <p:spPr>
+          <a:xfrm>
+            <a:off x="3093827" y="2338388"/>
+            <a:ext cx="6004346" cy="4352765"/>
+          </a:xfrm>
+        </p:spPr>
+      </p:pic>
+    </p:spTree>
+    <p:extLst>
+      <p:ext uri="{BB962C8B-B14F-4D97-AF65-F5344CB8AC3E}">
+        <p14:creationId xmlns:p14="http://schemas.microsoft.com/office/powerpoint/2010/main" val="465835056"/>
+      </p:ext>
+    </p:extLst>
+  </p:cSld>
+  <p:clrMapOvr>
+    <a:masterClrMapping/>
+  </p:clrMapOvr>
+</p:sld>
+</file>
+
+<file path=ppt/slides/slide8.xml><?xml version="1.0" encoding="utf-8"?>
 <p:sld xmlns:a="http://schemas.openxmlformats.org/drawingml/2006/main" xmlns:r="http://schemas.openxmlformats.org/officeDocument/2006/relationships" xmlns:p="http://schemas.openxmlformats.org/presentationml/2006/main">
   <p:cSld>
     <p:spTree>
@@ -9006,1295 +10566,6 @@
 </p:sld>
 </file>
 
-<file path=ppt/slides/slide7.xml><?xml version="1.0" encoding="utf-8"?>
-<p:sld xmlns:a="http://schemas.openxmlformats.org/drawingml/2006/main" xmlns:r="http://schemas.openxmlformats.org/officeDocument/2006/relationships" xmlns:p="http://schemas.openxmlformats.org/presentationml/2006/main">
-  <p:cSld>
-    <p:spTree>
-      <p:nvGrpSpPr>
-        <p:cNvPr id="1" name=""/>
-        <p:cNvGrpSpPr/>
-        <p:nvPr/>
-      </p:nvGrpSpPr>
-      <p:grpSpPr>
-        <a:xfrm>
-          <a:off x="0" y="0"/>
-          <a:ext cx="0" cy="0"/>
-          <a:chOff x="0" y="0"/>
-          <a:chExt cx="0" cy="0"/>
-        </a:xfrm>
-      </p:grpSpPr>
-      <p:sp>
-        <p:nvSpPr>
-          <p:cNvPr id="2" name="Title 1">
-            <a:extLst>
-              <a:ext uri="{FF2B5EF4-FFF2-40B4-BE49-F238E27FC236}">
-                <a16:creationId xmlns:a16="http://schemas.microsoft.com/office/drawing/2014/main" id="{5CE8B920-98B2-0444-98B0-A06207D29D1E}"/>
-              </a:ext>
-            </a:extLst>
-          </p:cNvPr>
-          <p:cNvSpPr>
-            <a:spLocks noGrp="1"/>
-          </p:cNvSpPr>
-          <p:nvPr>
-            <p:ph type="title"/>
-          </p:nvPr>
-        </p:nvSpPr>
-        <p:spPr>
-          <a:xfrm>
-            <a:off x="1514475" y="964692"/>
-            <a:ext cx="9029699" cy="1188720"/>
-          </a:xfrm>
-        </p:spPr>
-        <p:txBody>
-          <a:bodyPr/>
-          <a:lstStyle/>
-          <a:p>
-            <a:r>
-              <a:rPr lang="en-US" dirty="0"/>
-              <a:t>“Master Cook” VS. “Non-master cook”</a:t>
-            </a:r>
-          </a:p>
-        </p:txBody>
-      </p:sp>
-      <p:graphicFrame>
-        <p:nvGraphicFramePr>
-          <p:cNvPr id="4" name="Content Placeholder 6">
-            <a:extLst>
-              <a:ext uri="{FF2B5EF4-FFF2-40B4-BE49-F238E27FC236}">
-                <a16:creationId xmlns:a16="http://schemas.microsoft.com/office/drawing/2014/main" id="{C757D0EF-0DC0-4A45-8EF8-20AE28DDD27D}"/>
-              </a:ext>
-            </a:extLst>
-          </p:cNvPr>
-          <p:cNvGraphicFramePr>
-            <a:graphicFrameLocks/>
-          </p:cNvGraphicFramePr>
-          <p:nvPr>
-            <p:extLst>
-              <p:ext uri="{D42A27DB-BD31-4B8C-83A1-F6EECF244321}">
-                <p14:modId xmlns:p14="http://schemas.microsoft.com/office/powerpoint/2010/main" val="1095117143"/>
-              </p:ext>
-            </p:extLst>
-          </p:nvPr>
-        </p:nvGraphicFramePr>
-        <p:xfrm>
-          <a:off x="471488" y="2687319"/>
-          <a:ext cx="11201400" cy="2441894"/>
-        </p:xfrm>
-        <a:graphic>
-          <a:graphicData uri="http://schemas.openxmlformats.org/drawingml/2006/table">
-            <a:tbl>
-              <a:tblPr firstRow="1" firstCol="1" bandRow="1">
-                <a:tableStyleId>{5C22544A-7EE6-4342-B048-85BDC9FD1C3A}</a:tableStyleId>
-              </a:tblPr>
-              <a:tblGrid>
-                <a:gridCol w="1789709">
-                  <a:extLst>
-                    <a:ext uri="{9D8B030D-6E8A-4147-A177-3AD203B41FA5}">
-                      <a16:colId xmlns:a16="http://schemas.microsoft.com/office/drawing/2014/main" val="3263429234"/>
-                    </a:ext>
-                  </a:extLst>
-                </a:gridCol>
-                <a:gridCol w="844134">
-                  <a:extLst>
-                    <a:ext uri="{9D8B030D-6E8A-4147-A177-3AD203B41FA5}">
-                      <a16:colId xmlns:a16="http://schemas.microsoft.com/office/drawing/2014/main" val="1805125209"/>
-                    </a:ext>
-                  </a:extLst>
-                </a:gridCol>
-                <a:gridCol w="923358">
-                  <a:extLst>
-                    <a:ext uri="{9D8B030D-6E8A-4147-A177-3AD203B41FA5}">
-                      <a16:colId xmlns:a16="http://schemas.microsoft.com/office/drawing/2014/main" val="4203759007"/>
-                    </a:ext>
-                  </a:extLst>
-                </a:gridCol>
-                <a:gridCol w="635755">
-                  <a:extLst>
-                    <a:ext uri="{9D8B030D-6E8A-4147-A177-3AD203B41FA5}">
-                      <a16:colId xmlns:a16="http://schemas.microsoft.com/office/drawing/2014/main" val="625900654"/>
-                    </a:ext>
-                  </a:extLst>
-                </a:gridCol>
-                <a:gridCol w="1195826">
-                  <a:extLst>
-                    <a:ext uri="{9D8B030D-6E8A-4147-A177-3AD203B41FA5}">
-                      <a16:colId xmlns:a16="http://schemas.microsoft.com/office/drawing/2014/main" val="1284505668"/>
-                    </a:ext>
-                  </a:extLst>
-                </a:gridCol>
-                <a:gridCol w="999044">
-                  <a:extLst>
-                    <a:ext uri="{9D8B030D-6E8A-4147-A177-3AD203B41FA5}">
-                      <a16:colId xmlns:a16="http://schemas.microsoft.com/office/drawing/2014/main" val="2188754010"/>
-                    </a:ext>
-                  </a:extLst>
-                </a:gridCol>
-                <a:gridCol w="740338">
-                  <a:extLst>
-                    <a:ext uri="{9D8B030D-6E8A-4147-A177-3AD203B41FA5}">
-                      <a16:colId xmlns:a16="http://schemas.microsoft.com/office/drawing/2014/main" val="199541907"/>
-                    </a:ext>
-                  </a:extLst>
-                </a:gridCol>
-                <a:gridCol w="1018309">
-                  <a:extLst>
-                    <a:ext uri="{9D8B030D-6E8A-4147-A177-3AD203B41FA5}">
-                      <a16:colId xmlns:a16="http://schemas.microsoft.com/office/drawing/2014/main" val="2670975310"/>
-                    </a:ext>
-                  </a:extLst>
-                </a:gridCol>
-                <a:gridCol w="1018309">
-                  <a:extLst>
-                    <a:ext uri="{9D8B030D-6E8A-4147-A177-3AD203B41FA5}">
-                      <a16:colId xmlns:a16="http://schemas.microsoft.com/office/drawing/2014/main" val="835733401"/>
-                    </a:ext>
-                  </a:extLst>
-                </a:gridCol>
-                <a:gridCol w="1018309">
-                  <a:extLst>
-                    <a:ext uri="{9D8B030D-6E8A-4147-A177-3AD203B41FA5}">
-                      <a16:colId xmlns:a16="http://schemas.microsoft.com/office/drawing/2014/main" val="3369517601"/>
-                    </a:ext>
-                  </a:extLst>
-                </a:gridCol>
-                <a:gridCol w="1018309">
-                  <a:extLst>
-                    <a:ext uri="{9D8B030D-6E8A-4147-A177-3AD203B41FA5}">
-                      <a16:colId xmlns:a16="http://schemas.microsoft.com/office/drawing/2014/main" val="1775462602"/>
-                    </a:ext>
-                  </a:extLst>
-                </a:gridCol>
-              </a:tblGrid>
-              <a:tr h="571979">
-                <a:tc>
-                  <a:txBody>
-                    <a:bodyPr/>
-                    <a:lstStyle/>
-                    <a:p>
-                      <a:pPr algn="ctr"/>
-                      <a:endParaRPr lang="en-US" dirty="0"/>
-                    </a:p>
-                  </a:txBody>
-                  <a:tcPr/>
-                </a:tc>
-                <a:tc>
-                  <a:txBody>
-                    <a:bodyPr/>
-                    <a:lstStyle/>
-                    <a:p>
-                      <a:pPr algn="ctr"/>
-                      <a:endParaRPr lang="en-US" dirty="0"/>
-                    </a:p>
-                  </a:txBody>
-                  <a:tcPr/>
-                </a:tc>
-                <a:tc gridSpan="3">
-                  <a:txBody>
-                    <a:bodyPr/>
-                    <a:lstStyle/>
-                    <a:p>
-                      <a:pPr algn="ctr"/>
-                      <a:r>
-                        <a:rPr lang="en-US" dirty="0"/>
-                        <a:t>Number of Attempts</a:t>
-                      </a:r>
-                    </a:p>
-                  </a:txBody>
-                  <a:tcPr/>
-                </a:tc>
-                <a:tc hMerge="1">
-                  <a:txBody>
-                    <a:bodyPr/>
-                    <a:lstStyle/>
-                    <a:p>
-                      <a:endParaRPr lang="en-US" dirty="0"/>
-                    </a:p>
-                  </a:txBody>
-                  <a:tcPr/>
-                </a:tc>
-                <a:tc hMerge="1">
-                  <a:txBody>
-                    <a:bodyPr/>
-                    <a:lstStyle/>
-                    <a:p>
-                      <a:endParaRPr lang="en-US" dirty="0"/>
-                    </a:p>
-                  </a:txBody>
-                  <a:tcPr/>
-                </a:tc>
-                <a:tc gridSpan="3">
-                  <a:txBody>
-                    <a:bodyPr/>
-                    <a:lstStyle/>
-                    <a:p>
-                      <a:pPr algn="ctr"/>
-                      <a:r>
-                        <a:rPr lang="en-US" dirty="0"/>
-                        <a:t>Ratings</a:t>
-                      </a:r>
-                    </a:p>
-                  </a:txBody>
-                  <a:tcPr/>
-                </a:tc>
-                <a:tc hMerge="1">
-                  <a:txBody>
-                    <a:bodyPr/>
-                    <a:lstStyle/>
-                    <a:p>
-                      <a:endParaRPr lang="en-US" dirty="0"/>
-                    </a:p>
-                  </a:txBody>
-                  <a:tcPr/>
-                </a:tc>
-                <a:tc hMerge="1">
-                  <a:txBody>
-                    <a:bodyPr/>
-                    <a:lstStyle/>
-                    <a:p>
-                      <a:endParaRPr lang="en-US" dirty="0"/>
-                    </a:p>
-                  </a:txBody>
-                  <a:tcPr/>
-                </a:tc>
-                <a:tc gridSpan="3">
-                  <a:txBody>
-                    <a:bodyPr/>
-                    <a:lstStyle/>
-                    <a:p>
-                      <a:pPr algn="ctr"/>
-                      <a:r>
-                        <a:rPr lang="en-US" dirty="0"/>
-                        <a:t>Number of Ingredients</a:t>
-                      </a:r>
-                    </a:p>
-                  </a:txBody>
-                  <a:tcPr/>
-                </a:tc>
-                <a:tc hMerge="1">
-                  <a:txBody>
-                    <a:bodyPr/>
-                    <a:lstStyle/>
-                    <a:p>
-                      <a:endParaRPr lang="en-US" dirty="0"/>
-                    </a:p>
-                  </a:txBody>
-                  <a:tcPr/>
-                </a:tc>
-                <a:tc hMerge="1">
-                  <a:txBody>
-                    <a:bodyPr/>
-                    <a:lstStyle/>
-                    <a:p>
-                      <a:endParaRPr lang="en-US" dirty="0"/>
-                    </a:p>
-                  </a:txBody>
-                  <a:tcPr/>
-                </a:tc>
-                <a:extLst>
-                  <a:ext uri="{0D108BD9-81ED-4DB2-BD59-A6C34878D82A}">
-                    <a16:rowId xmlns:a16="http://schemas.microsoft.com/office/drawing/2014/main" val="3276143995"/>
-                  </a:ext>
-                </a:extLst>
-              </a:tr>
-              <a:tr h="571979">
-                <a:tc>
-                  <a:txBody>
-                    <a:bodyPr/>
-                    <a:lstStyle/>
-                    <a:p>
-                      <a:pPr algn="ctr"/>
-                      <a:endParaRPr lang="en-US" dirty="0"/>
-                    </a:p>
-                  </a:txBody>
-                  <a:tcPr/>
-                </a:tc>
-                <a:tc>
-                  <a:txBody>
-                    <a:bodyPr/>
-                    <a:lstStyle/>
-                    <a:p>
-                      <a:pPr algn="ctr"/>
-                      <a:r>
-                        <a:rPr lang="en-US" dirty="0"/>
-                        <a:t>Count</a:t>
-                      </a:r>
-                    </a:p>
-                  </a:txBody>
-                  <a:tcPr/>
-                </a:tc>
-                <a:tc>
-                  <a:txBody>
-                    <a:bodyPr/>
-                    <a:lstStyle/>
-                    <a:p>
-                      <a:pPr algn="ctr"/>
-                      <a:r>
-                        <a:rPr lang="en-US" dirty="0"/>
-                        <a:t>mean</a:t>
-                      </a:r>
-                    </a:p>
-                  </a:txBody>
-                  <a:tcPr/>
-                </a:tc>
-                <a:tc>
-                  <a:txBody>
-                    <a:bodyPr/>
-                    <a:lstStyle/>
-                    <a:p>
-                      <a:pPr algn="ctr"/>
-                      <a:r>
-                        <a:rPr lang="en-US" dirty="0"/>
-                        <a:t>min</a:t>
-                      </a:r>
-                    </a:p>
-                  </a:txBody>
-                  <a:tcPr/>
-                </a:tc>
-                <a:tc>
-                  <a:txBody>
-                    <a:bodyPr/>
-                    <a:lstStyle/>
-                    <a:p>
-                      <a:pPr algn="ctr"/>
-                      <a:r>
-                        <a:rPr lang="en-US" dirty="0"/>
-                        <a:t>max</a:t>
-                      </a:r>
-                    </a:p>
-                  </a:txBody>
-                  <a:tcPr/>
-                </a:tc>
-                <a:tc>
-                  <a:txBody>
-                    <a:bodyPr/>
-                    <a:lstStyle/>
-                    <a:p>
-                      <a:pPr algn="ctr"/>
-                      <a:r>
-                        <a:rPr lang="en-US" dirty="0"/>
-                        <a:t>mean</a:t>
-                      </a:r>
-                    </a:p>
-                  </a:txBody>
-                  <a:tcPr/>
-                </a:tc>
-                <a:tc>
-                  <a:txBody>
-                    <a:bodyPr/>
-                    <a:lstStyle/>
-                    <a:p>
-                      <a:pPr algn="ctr"/>
-                      <a:r>
-                        <a:rPr lang="en-US" dirty="0"/>
-                        <a:t>min</a:t>
-                      </a:r>
-                    </a:p>
-                  </a:txBody>
-                  <a:tcPr/>
-                </a:tc>
-                <a:tc>
-                  <a:txBody>
-                    <a:bodyPr/>
-                    <a:lstStyle/>
-                    <a:p>
-                      <a:pPr algn="ctr"/>
-                      <a:r>
-                        <a:rPr lang="en-US" dirty="0"/>
-                        <a:t>max</a:t>
-                      </a:r>
-                    </a:p>
-                  </a:txBody>
-                  <a:tcPr/>
-                </a:tc>
-                <a:tc>
-                  <a:txBody>
-                    <a:bodyPr/>
-                    <a:lstStyle/>
-                    <a:p>
-                      <a:pPr algn="ctr"/>
-                      <a:r>
-                        <a:rPr lang="en-US" dirty="0"/>
-                        <a:t>mean</a:t>
-                      </a:r>
-                    </a:p>
-                  </a:txBody>
-                  <a:tcPr/>
-                </a:tc>
-                <a:tc>
-                  <a:txBody>
-                    <a:bodyPr/>
-                    <a:lstStyle/>
-                    <a:p>
-                      <a:pPr algn="ctr"/>
-                      <a:r>
-                        <a:rPr lang="en-US" dirty="0"/>
-                        <a:t>min</a:t>
-                      </a:r>
-                    </a:p>
-                  </a:txBody>
-                  <a:tcPr/>
-                </a:tc>
-                <a:tc>
-                  <a:txBody>
-                    <a:bodyPr/>
-                    <a:lstStyle/>
-                    <a:p>
-                      <a:pPr algn="ctr"/>
-                      <a:r>
-                        <a:rPr lang="en-US" dirty="0"/>
-                        <a:t>max</a:t>
-                      </a:r>
-                    </a:p>
-                  </a:txBody>
-                  <a:tcPr/>
-                </a:tc>
-                <a:extLst>
-                  <a:ext uri="{0D108BD9-81ED-4DB2-BD59-A6C34878D82A}">
-                    <a16:rowId xmlns:a16="http://schemas.microsoft.com/office/drawing/2014/main" val="860812084"/>
-                  </a:ext>
-                </a:extLst>
-              </a:tr>
-              <a:tr h="571979">
-                <a:tc>
-                  <a:txBody>
-                    <a:bodyPr/>
-                    <a:lstStyle/>
-                    <a:p>
-                      <a:pPr algn="ctr"/>
-                      <a:r>
-                        <a:rPr lang="en-US" dirty="0"/>
-                        <a:t>Non-Master</a:t>
-                      </a:r>
-                    </a:p>
-                  </a:txBody>
-                  <a:tcPr/>
-                </a:tc>
-                <a:tc>
-                  <a:txBody>
-                    <a:bodyPr/>
-                    <a:lstStyle/>
-                    <a:p>
-                      <a:pPr algn="ctr"/>
-                      <a:r>
-                        <a:rPr lang="en-US" dirty="0"/>
-                        <a:t>2030</a:t>
-                      </a:r>
-                    </a:p>
-                  </a:txBody>
-                  <a:tcPr/>
-                </a:tc>
-                <a:tc>
-                  <a:txBody>
-                    <a:bodyPr/>
-                    <a:lstStyle/>
-                    <a:p>
-                      <a:pPr algn="ctr"/>
-                      <a:r>
-                        <a:rPr lang="en-US" sz="1800" b="0" i="0" kern="1200" dirty="0">
-                          <a:solidFill>
-                            <a:schemeClr val="dk1"/>
-                          </a:solidFill>
-                          <a:effectLst/>
-                          <a:latin typeface="+mn-lt"/>
-                          <a:ea typeface="+mn-ea"/>
-                          <a:cs typeface="+mn-cs"/>
-                        </a:rPr>
-                        <a:t>776.01</a:t>
-                      </a:r>
-                      <a:endParaRPr lang="en-US" dirty="0"/>
-                    </a:p>
-                  </a:txBody>
-                  <a:tcPr/>
-                </a:tc>
-                <a:tc>
-                  <a:txBody>
-                    <a:bodyPr/>
-                    <a:lstStyle/>
-                    <a:p>
-                      <a:pPr algn="ctr"/>
-                      <a:r>
-                        <a:rPr lang="en-US" dirty="0"/>
-                        <a:t>100</a:t>
-                      </a:r>
-                    </a:p>
-                  </a:txBody>
-                  <a:tcPr/>
-                </a:tc>
-                <a:tc>
-                  <a:txBody>
-                    <a:bodyPr/>
-                    <a:lstStyle/>
-                    <a:p>
-                      <a:pPr algn="ctr"/>
-                      <a:r>
-                        <a:rPr lang="en-US" sz="1800" b="0" i="0" kern="1200" dirty="0">
-                          <a:solidFill>
-                            <a:schemeClr val="dk1"/>
-                          </a:solidFill>
-                          <a:effectLst/>
-                          <a:latin typeface="+mn-lt"/>
-                          <a:ea typeface="+mn-ea"/>
-                          <a:cs typeface="+mn-cs"/>
-                        </a:rPr>
-                        <a:t>36799</a:t>
-                      </a:r>
-                      <a:endParaRPr lang="en-US" dirty="0"/>
-                    </a:p>
-                  </a:txBody>
-                  <a:tcPr/>
-                </a:tc>
-                <a:tc>
-                  <a:txBody>
-                    <a:bodyPr/>
-                    <a:lstStyle/>
-                    <a:p>
-                      <a:pPr algn="ctr"/>
-                      <a:r>
-                        <a:rPr lang="en-US" dirty="0"/>
-                        <a:t>7.86</a:t>
-                      </a:r>
-                    </a:p>
-                  </a:txBody>
-                  <a:tcPr/>
-                </a:tc>
-                <a:tc>
-                  <a:txBody>
-                    <a:bodyPr/>
-                    <a:lstStyle/>
-                    <a:p>
-                      <a:pPr algn="ctr"/>
-                      <a:r>
-                        <a:rPr lang="en-US" dirty="0"/>
-                        <a:t>6.2</a:t>
-                      </a:r>
-                    </a:p>
-                  </a:txBody>
-                  <a:tcPr/>
-                </a:tc>
-                <a:tc>
-                  <a:txBody>
-                    <a:bodyPr/>
-                    <a:lstStyle/>
-                    <a:p>
-                      <a:pPr algn="ctr"/>
-                      <a:r>
-                        <a:rPr lang="en-US" dirty="0"/>
-                        <a:t>9.4</a:t>
-                      </a:r>
-                    </a:p>
-                  </a:txBody>
-                  <a:tcPr/>
-                </a:tc>
-                <a:tc>
-                  <a:txBody>
-                    <a:bodyPr/>
-                    <a:lstStyle/>
-                    <a:p>
-                      <a:pPr algn="ctr"/>
-                      <a:r>
-                        <a:rPr lang="en-US" dirty="0"/>
-                        <a:t>7.19</a:t>
-                      </a:r>
-                    </a:p>
-                  </a:txBody>
-                  <a:tcPr/>
-                </a:tc>
-                <a:tc>
-                  <a:txBody>
-                    <a:bodyPr/>
-                    <a:lstStyle/>
-                    <a:p>
-                      <a:pPr algn="ctr"/>
-                      <a:r>
-                        <a:rPr lang="en-US" dirty="0"/>
-                        <a:t>1</a:t>
-                      </a:r>
-                    </a:p>
-                  </a:txBody>
-                  <a:tcPr/>
-                </a:tc>
-                <a:tc>
-                  <a:txBody>
-                    <a:bodyPr/>
-                    <a:lstStyle/>
-                    <a:p>
-                      <a:pPr algn="ctr"/>
-                      <a:r>
-                        <a:rPr lang="en-US" dirty="0"/>
-                        <a:t>23</a:t>
-                      </a:r>
-                    </a:p>
-                  </a:txBody>
-                  <a:tcPr/>
-                </a:tc>
-                <a:extLst>
-                  <a:ext uri="{0D108BD9-81ED-4DB2-BD59-A6C34878D82A}">
-                    <a16:rowId xmlns:a16="http://schemas.microsoft.com/office/drawing/2014/main" val="1395494988"/>
-                  </a:ext>
-                </a:extLst>
-              </a:tr>
-              <a:tr h="725957">
-                <a:tc>
-                  <a:txBody>
-                    <a:bodyPr/>
-                    <a:lstStyle/>
-                    <a:p>
-                      <a:pPr algn="ctr"/>
-                      <a:r>
-                        <a:rPr lang="en-US" dirty="0"/>
-                        <a:t>Master</a:t>
-                      </a:r>
-                    </a:p>
-                  </a:txBody>
-                  <a:tcPr/>
-                </a:tc>
-                <a:tc>
-                  <a:txBody>
-                    <a:bodyPr/>
-                    <a:lstStyle/>
-                    <a:p>
-                      <a:pPr algn="ctr"/>
-                      <a:r>
-                        <a:rPr lang="en-US" dirty="0"/>
-                        <a:t>1215</a:t>
-                      </a:r>
-                    </a:p>
-                  </a:txBody>
-                  <a:tcPr/>
-                </a:tc>
-                <a:tc>
-                  <a:txBody>
-                    <a:bodyPr/>
-                    <a:lstStyle/>
-                    <a:p>
-                      <a:pPr algn="ctr"/>
-                      <a:r>
-                        <a:rPr lang="en-US" dirty="0"/>
-                        <a:t>959.39</a:t>
-                      </a:r>
-                    </a:p>
-                  </a:txBody>
-                  <a:tcPr/>
-                </a:tc>
-                <a:tc>
-                  <a:txBody>
-                    <a:bodyPr/>
-                    <a:lstStyle/>
-                    <a:p>
-                      <a:pPr algn="ctr"/>
-                      <a:r>
-                        <a:rPr lang="en-US" dirty="0"/>
-                        <a:t>100</a:t>
-                      </a:r>
-                    </a:p>
-                  </a:txBody>
-                  <a:tcPr/>
-                </a:tc>
-                <a:tc>
-                  <a:txBody>
-                    <a:bodyPr/>
-                    <a:lstStyle/>
-                    <a:p>
-                      <a:pPr algn="ctr"/>
-                      <a:r>
-                        <a:rPr lang="en-US" sz="1800" b="0" i="0" kern="1200" dirty="0">
-                          <a:solidFill>
-                            <a:schemeClr val="dk1"/>
-                          </a:solidFill>
-                          <a:effectLst/>
-                          <a:latin typeface="+mn-lt"/>
-                          <a:ea typeface="+mn-ea"/>
-                          <a:cs typeface="+mn-cs"/>
-                        </a:rPr>
-                        <a:t>68706</a:t>
-                      </a:r>
-                      <a:endParaRPr lang="en-US" dirty="0"/>
-                    </a:p>
-                  </a:txBody>
-                  <a:tcPr/>
-                </a:tc>
-                <a:tc>
-                  <a:txBody>
-                    <a:bodyPr/>
-                    <a:lstStyle/>
-                    <a:p>
-                      <a:pPr algn="ctr"/>
-                      <a:r>
-                        <a:rPr lang="en-US" dirty="0"/>
-                        <a:t>8.05</a:t>
-                      </a:r>
-                    </a:p>
-                  </a:txBody>
-                  <a:tcPr/>
-                </a:tc>
-                <a:tc>
-                  <a:txBody>
-                    <a:bodyPr/>
-                    <a:lstStyle/>
-                    <a:p>
-                      <a:pPr algn="ctr"/>
-                      <a:r>
-                        <a:rPr lang="en-US" dirty="0"/>
-                        <a:t>6.3</a:t>
-                      </a:r>
-                    </a:p>
-                  </a:txBody>
-                  <a:tcPr/>
-                </a:tc>
-                <a:tc>
-                  <a:txBody>
-                    <a:bodyPr/>
-                    <a:lstStyle/>
-                    <a:p>
-                      <a:pPr algn="ctr"/>
-                      <a:r>
-                        <a:rPr lang="en-US" dirty="0"/>
-                        <a:t>9.5</a:t>
-                      </a:r>
-                    </a:p>
-                  </a:txBody>
-                  <a:tcPr/>
-                </a:tc>
-                <a:tc>
-                  <a:txBody>
-                    <a:bodyPr/>
-                    <a:lstStyle/>
-                    <a:p>
-                      <a:pPr algn="ctr"/>
-                      <a:r>
-                        <a:rPr lang="en-US" dirty="0"/>
-                        <a:t>7.52</a:t>
-                      </a:r>
-                    </a:p>
-                  </a:txBody>
-                  <a:tcPr/>
-                </a:tc>
-                <a:tc>
-                  <a:txBody>
-                    <a:bodyPr/>
-                    <a:lstStyle/>
-                    <a:p>
-                      <a:pPr algn="ctr"/>
-                      <a:r>
-                        <a:rPr lang="en-US" dirty="0"/>
-                        <a:t>1</a:t>
-                      </a:r>
-                    </a:p>
-                  </a:txBody>
-                  <a:tcPr/>
-                </a:tc>
-                <a:tc>
-                  <a:txBody>
-                    <a:bodyPr/>
-                    <a:lstStyle/>
-                    <a:p>
-                      <a:pPr algn="ctr"/>
-                      <a:r>
-                        <a:rPr lang="en-US" dirty="0"/>
-                        <a:t>26</a:t>
-                      </a:r>
-                    </a:p>
-                  </a:txBody>
-                  <a:tcPr/>
-                </a:tc>
-                <a:extLst>
-                  <a:ext uri="{0D108BD9-81ED-4DB2-BD59-A6C34878D82A}">
-                    <a16:rowId xmlns:a16="http://schemas.microsoft.com/office/drawing/2014/main" val="3280139755"/>
-                  </a:ext>
-                </a:extLst>
-              </a:tr>
-            </a:tbl>
-          </a:graphicData>
-        </a:graphic>
-      </p:graphicFrame>
-    </p:spTree>
-    <p:extLst>
-      <p:ext uri="{BB962C8B-B14F-4D97-AF65-F5344CB8AC3E}">
-        <p14:creationId xmlns:p14="http://schemas.microsoft.com/office/powerpoint/2010/main" val="1596191455"/>
-      </p:ext>
-    </p:extLst>
-  </p:cSld>
-  <p:clrMapOvr>
-    <a:masterClrMapping/>
-  </p:clrMapOvr>
-</p:sld>
-</file>
-
-<file path=ppt/slides/slide8.xml><?xml version="1.0" encoding="utf-8"?>
-<p:sld xmlns:a="http://schemas.openxmlformats.org/drawingml/2006/main" xmlns:r="http://schemas.openxmlformats.org/officeDocument/2006/relationships" xmlns:p="http://schemas.openxmlformats.org/presentationml/2006/main">
-  <p:cSld>
-    <p:spTree>
-      <p:nvGrpSpPr>
-        <p:cNvPr id="1" name=""/>
-        <p:cNvGrpSpPr/>
-        <p:nvPr/>
-      </p:nvGrpSpPr>
-      <p:grpSpPr>
-        <a:xfrm>
-          <a:off x="0" y="0"/>
-          <a:ext cx="0" cy="0"/>
-          <a:chOff x="0" y="0"/>
-          <a:chExt cx="0" cy="0"/>
-        </a:xfrm>
-      </p:grpSpPr>
-      <p:sp>
-        <p:nvSpPr>
-          <p:cNvPr id="2" name="Title 1">
-            <a:extLst>
-              <a:ext uri="{FF2B5EF4-FFF2-40B4-BE49-F238E27FC236}">
-                <a16:creationId xmlns:a16="http://schemas.microsoft.com/office/drawing/2014/main" id="{8B1BC33C-D8C2-5D49-91E5-D450123FCE4F}"/>
-              </a:ext>
-            </a:extLst>
-          </p:cNvPr>
-          <p:cNvSpPr>
-            <a:spLocks noGrp="1"/>
-          </p:cNvSpPr>
-          <p:nvPr>
-            <p:ph type="title"/>
-          </p:nvPr>
-        </p:nvSpPr>
-        <p:spPr/>
-        <p:txBody>
-          <a:bodyPr/>
-          <a:lstStyle/>
-          <a:p>
-            <a:r>
-              <a:rPr lang="en-US" dirty="0"/>
-              <a:t>Authors of the Recipe</a:t>
-            </a:r>
-          </a:p>
-        </p:txBody>
-      </p:sp>
-      <p:graphicFrame>
-        <p:nvGraphicFramePr>
-          <p:cNvPr id="4" name="Content Placeholder 3">
-            <a:extLst>
-              <a:ext uri="{FF2B5EF4-FFF2-40B4-BE49-F238E27FC236}">
-                <a16:creationId xmlns:a16="http://schemas.microsoft.com/office/drawing/2014/main" id="{248FEBA4-44AF-2D49-8DCB-78DA845DA1E4}"/>
-              </a:ext>
-            </a:extLst>
-          </p:cNvPr>
-          <p:cNvGraphicFramePr>
-            <a:graphicFrameLocks noGrp="1"/>
-          </p:cNvGraphicFramePr>
-          <p:nvPr>
-            <p:ph idx="1"/>
-            <p:extLst>
-              <p:ext uri="{D42A27DB-BD31-4B8C-83A1-F6EECF244321}">
-                <p14:modId xmlns:p14="http://schemas.microsoft.com/office/powerpoint/2010/main" val="3877199510"/>
-              </p:ext>
-            </p:extLst>
-          </p:nvPr>
-        </p:nvGraphicFramePr>
-        <p:xfrm>
-          <a:off x="385762" y="2638424"/>
-          <a:ext cx="10829925" cy="3132306"/>
-        </p:xfrm>
-        <a:graphic>
-          <a:graphicData uri="http://schemas.openxmlformats.org/drawingml/2006/table">
-            <a:tbl>
-              <a:tblPr firstRow="1" firstCol="1" bandRow="1">
-                <a:tableStyleId>{5C22544A-7EE6-4342-B048-85BDC9FD1C3A}</a:tableStyleId>
-              </a:tblPr>
-              <a:tblGrid>
-                <a:gridCol w="3411960">
-                  <a:extLst>
-                    <a:ext uri="{9D8B030D-6E8A-4147-A177-3AD203B41FA5}">
-                      <a16:colId xmlns:a16="http://schemas.microsoft.com/office/drawing/2014/main" val="4014406382"/>
-                    </a:ext>
-                  </a:extLst>
-                </a:gridCol>
-                <a:gridCol w="2711289">
-                  <a:extLst>
-                    <a:ext uri="{9D8B030D-6E8A-4147-A177-3AD203B41FA5}">
-                      <a16:colId xmlns:a16="http://schemas.microsoft.com/office/drawing/2014/main" val="452520256"/>
-                    </a:ext>
-                  </a:extLst>
-                </a:gridCol>
-                <a:gridCol w="1999195">
-                  <a:extLst>
-                    <a:ext uri="{9D8B030D-6E8A-4147-A177-3AD203B41FA5}">
-                      <a16:colId xmlns:a16="http://schemas.microsoft.com/office/drawing/2014/main" val="1100269588"/>
-                    </a:ext>
-                  </a:extLst>
-                </a:gridCol>
-                <a:gridCol w="2707481">
-                  <a:extLst>
-                    <a:ext uri="{9D8B030D-6E8A-4147-A177-3AD203B41FA5}">
-                      <a16:colId xmlns:a16="http://schemas.microsoft.com/office/drawing/2014/main" val="1917682949"/>
-                    </a:ext>
-                  </a:extLst>
-                </a:gridCol>
-              </a:tblGrid>
-              <a:tr h="617382">
-                <a:tc>
-                  <a:txBody>
-                    <a:bodyPr/>
-                    <a:lstStyle/>
-                    <a:p>
-                      <a:pPr algn="ctr"/>
-                      <a:endParaRPr lang="en-US" dirty="0"/>
-                    </a:p>
-                  </a:txBody>
-                  <a:tcPr/>
-                </a:tc>
-                <a:tc>
-                  <a:txBody>
-                    <a:bodyPr/>
-                    <a:lstStyle/>
-                    <a:p>
-                      <a:pPr algn="ctr"/>
-                      <a:r>
-                        <a:rPr lang="en-US" dirty="0"/>
-                        <a:t>Number of Attempts</a:t>
-                      </a:r>
-                    </a:p>
-                  </a:txBody>
-                  <a:tcPr/>
-                </a:tc>
-                <a:tc>
-                  <a:txBody>
-                    <a:bodyPr/>
-                    <a:lstStyle/>
-                    <a:p>
-                      <a:pPr algn="ctr"/>
-                      <a:r>
-                        <a:rPr lang="en-US" dirty="0"/>
-                        <a:t>Ratings</a:t>
-                      </a:r>
-                    </a:p>
-                  </a:txBody>
-                  <a:tcPr/>
-                </a:tc>
-                <a:tc>
-                  <a:txBody>
-                    <a:bodyPr/>
-                    <a:lstStyle/>
-                    <a:p>
-                      <a:pPr algn="ctr"/>
-                      <a:r>
-                        <a:rPr lang="en-US" dirty="0"/>
-                        <a:t>Number of Ingredients</a:t>
-                      </a:r>
-                    </a:p>
-                  </a:txBody>
-                  <a:tcPr/>
-                </a:tc>
-                <a:extLst>
-                  <a:ext uri="{0D108BD9-81ED-4DB2-BD59-A6C34878D82A}">
-                    <a16:rowId xmlns:a16="http://schemas.microsoft.com/office/drawing/2014/main" val="1415790930"/>
-                  </a:ext>
-                </a:extLst>
-              </a:tr>
-              <a:tr h="617382">
-                <a:tc>
-                  <a:txBody>
-                    <a:bodyPr/>
-                    <a:lstStyle/>
-                    <a:p>
-                      <a:pPr algn="ctr"/>
-                      <a:r>
-                        <a:rPr lang="en-US" dirty="0"/>
-                        <a:t>Authors of 20 or more recipes</a:t>
-                      </a:r>
-                    </a:p>
-                  </a:txBody>
-                  <a:tcPr/>
-                </a:tc>
-                <a:tc>
-                  <a:txBody>
-                    <a:bodyPr/>
-                    <a:lstStyle/>
-                    <a:p>
-                      <a:pPr algn="ctr"/>
-                      <a:r>
-                        <a:rPr lang="en-US" b="0" dirty="0"/>
-                        <a:t>867.89</a:t>
-                      </a:r>
-                    </a:p>
-                  </a:txBody>
-                  <a:tcPr/>
-                </a:tc>
-                <a:tc>
-                  <a:txBody>
-                    <a:bodyPr/>
-                    <a:lstStyle/>
-                    <a:p>
-                      <a:pPr algn="ctr"/>
-                      <a:r>
-                        <a:rPr lang="en-US" b="0" dirty="0"/>
-                        <a:t>8.10</a:t>
-                      </a:r>
-                    </a:p>
-                  </a:txBody>
-                  <a:tcPr/>
-                </a:tc>
-                <a:tc>
-                  <a:txBody>
-                    <a:bodyPr/>
-                    <a:lstStyle/>
-                    <a:p>
-                      <a:pPr algn="ctr"/>
-                      <a:r>
-                        <a:rPr lang="en-US" b="0" dirty="0"/>
-                        <a:t>8.39</a:t>
-                      </a:r>
-                    </a:p>
-                  </a:txBody>
-                  <a:tcPr/>
-                </a:tc>
-                <a:extLst>
-                  <a:ext uri="{0D108BD9-81ED-4DB2-BD59-A6C34878D82A}">
-                    <a16:rowId xmlns:a16="http://schemas.microsoft.com/office/drawing/2014/main" val="2909689621"/>
-                  </a:ext>
-                </a:extLst>
-              </a:tr>
-              <a:tr h="617382">
-                <a:tc>
-                  <a:txBody>
-                    <a:bodyPr/>
-                    <a:lstStyle/>
-                    <a:p>
-                      <a:pPr marL="0" marR="0" lvl="0" indent="0" algn="ctr" defTabSz="914400" rtl="0" eaLnBrk="1" fontAlgn="auto" latinLnBrk="0" hangingPunct="1">
-                        <a:lnSpc>
-                          <a:spcPct val="100000"/>
-                        </a:lnSpc>
-                        <a:spcBef>
-                          <a:spcPts val="0"/>
-                        </a:spcBef>
-                        <a:spcAft>
-                          <a:spcPts val="0"/>
-                        </a:spcAft>
-                        <a:buClrTx/>
-                        <a:buSzTx/>
-                        <a:buFontTx/>
-                        <a:buNone/>
-                        <a:tabLst/>
-                        <a:defRPr/>
-                      </a:pPr>
-                      <a:r>
-                        <a:rPr lang="en-US" dirty="0"/>
-                        <a:t>Authors of 15 or more recipes</a:t>
-                      </a:r>
-                    </a:p>
-                    <a:p>
-                      <a:pPr algn="ctr"/>
-                      <a:endParaRPr lang="en-US" dirty="0"/>
-                    </a:p>
-                  </a:txBody>
-                  <a:tcPr/>
-                </a:tc>
-                <a:tc>
-                  <a:txBody>
-                    <a:bodyPr/>
-                    <a:lstStyle/>
-                    <a:p>
-                      <a:pPr algn="ctr"/>
-                      <a:r>
-                        <a:rPr lang="en-US" b="0" dirty="0"/>
-                        <a:t>927.14</a:t>
-                      </a:r>
-                    </a:p>
-                  </a:txBody>
-                  <a:tcPr/>
-                </a:tc>
-                <a:tc>
-                  <a:txBody>
-                    <a:bodyPr/>
-                    <a:lstStyle/>
-                    <a:p>
-                      <a:pPr algn="ctr"/>
-                      <a:r>
-                        <a:rPr lang="en-US" b="0" dirty="0"/>
-                        <a:t>8.05</a:t>
-                      </a:r>
-                    </a:p>
-                  </a:txBody>
-                  <a:tcPr/>
-                </a:tc>
-                <a:tc>
-                  <a:txBody>
-                    <a:bodyPr/>
-                    <a:lstStyle/>
-                    <a:p>
-                      <a:pPr algn="ctr"/>
-                      <a:r>
-                        <a:rPr lang="en-US" b="0" dirty="0"/>
-                        <a:t>8.35</a:t>
-                      </a:r>
-                    </a:p>
-                  </a:txBody>
-                  <a:tcPr/>
-                </a:tc>
-                <a:extLst>
-                  <a:ext uri="{0D108BD9-81ED-4DB2-BD59-A6C34878D82A}">
-                    <a16:rowId xmlns:a16="http://schemas.microsoft.com/office/drawing/2014/main" val="3641919598"/>
-                  </a:ext>
-                </a:extLst>
-              </a:tr>
-              <a:tr h="607047">
-                <a:tc>
-                  <a:txBody>
-                    <a:bodyPr/>
-                    <a:lstStyle/>
-                    <a:p>
-                      <a:pPr marL="0" marR="0" lvl="0" indent="0" algn="ctr" defTabSz="914400" rtl="0" eaLnBrk="1" fontAlgn="auto" latinLnBrk="0" hangingPunct="1">
-                        <a:lnSpc>
-                          <a:spcPct val="100000"/>
-                        </a:lnSpc>
-                        <a:spcBef>
-                          <a:spcPts val="0"/>
-                        </a:spcBef>
-                        <a:spcAft>
-                          <a:spcPts val="0"/>
-                        </a:spcAft>
-                        <a:buClrTx/>
-                        <a:buSzTx/>
-                        <a:buFontTx/>
-                        <a:buNone/>
-                        <a:tabLst/>
-                        <a:defRPr/>
-                      </a:pPr>
-                      <a:r>
-                        <a:rPr lang="en-US" dirty="0"/>
-                        <a:t>Authors of 10 or more recipes</a:t>
-                      </a:r>
-                    </a:p>
-                    <a:p>
-                      <a:pPr algn="ctr"/>
-                      <a:endParaRPr lang="en-US" dirty="0"/>
-                    </a:p>
-                  </a:txBody>
-                  <a:tcPr/>
-                </a:tc>
-                <a:tc>
-                  <a:txBody>
-                    <a:bodyPr/>
-                    <a:lstStyle/>
-                    <a:p>
-                      <a:pPr algn="ctr"/>
-                      <a:r>
-                        <a:rPr lang="en-US" b="0" dirty="0"/>
-                        <a:t>944.15</a:t>
-                      </a:r>
-                    </a:p>
-                  </a:txBody>
-                  <a:tcPr/>
-                </a:tc>
-                <a:tc>
-                  <a:txBody>
-                    <a:bodyPr/>
-                    <a:lstStyle/>
-                    <a:p>
-                      <a:pPr algn="ctr"/>
-                      <a:r>
-                        <a:rPr lang="en-US" b="0" dirty="0"/>
-                        <a:t>8.00</a:t>
-                      </a:r>
-                    </a:p>
-                  </a:txBody>
-                  <a:tcPr/>
-                </a:tc>
-                <a:tc>
-                  <a:txBody>
-                    <a:bodyPr/>
-                    <a:lstStyle/>
-                    <a:p>
-                      <a:pPr algn="ctr"/>
-                      <a:r>
-                        <a:rPr lang="en-US" b="0" u="none" dirty="0"/>
-                        <a:t>8.15</a:t>
-                      </a:r>
-                    </a:p>
-                  </a:txBody>
-                  <a:tcPr/>
-                </a:tc>
-                <a:extLst>
-                  <a:ext uri="{0D108BD9-81ED-4DB2-BD59-A6C34878D82A}">
-                    <a16:rowId xmlns:a16="http://schemas.microsoft.com/office/drawing/2014/main" val="4173464892"/>
-                  </a:ext>
-                </a:extLst>
-              </a:tr>
-              <a:tr h="617382">
-                <a:tc>
-                  <a:txBody>
-                    <a:bodyPr/>
-                    <a:lstStyle/>
-                    <a:p>
-                      <a:pPr algn="ctr"/>
-                      <a:r>
-                        <a:rPr lang="en-US" dirty="0"/>
-                        <a:t>Overall Average</a:t>
-                      </a:r>
-                    </a:p>
-                  </a:txBody>
-                  <a:tcPr/>
-                </a:tc>
-                <a:tc>
-                  <a:txBody>
-                    <a:bodyPr/>
-                    <a:lstStyle/>
-                    <a:p>
-                      <a:pPr algn="ctr"/>
-                      <a:r>
-                        <a:rPr lang="en-US" b="0" dirty="0"/>
-                        <a:t>844.68</a:t>
-                      </a:r>
-                    </a:p>
-                  </a:txBody>
-                  <a:tcPr/>
-                </a:tc>
-                <a:tc>
-                  <a:txBody>
-                    <a:bodyPr/>
-                    <a:lstStyle/>
-                    <a:p>
-                      <a:pPr algn="ctr"/>
-                      <a:r>
-                        <a:rPr lang="en-US" b="0" dirty="0"/>
-                        <a:t>7.93</a:t>
-                      </a:r>
-                    </a:p>
-                  </a:txBody>
-                  <a:tcPr/>
-                </a:tc>
-                <a:tc>
-                  <a:txBody>
-                    <a:bodyPr/>
-                    <a:lstStyle/>
-                    <a:p>
-                      <a:pPr algn="ctr"/>
-                      <a:r>
-                        <a:rPr lang="en-US" b="0" dirty="0"/>
-                        <a:t>7.31</a:t>
-                      </a:r>
-                    </a:p>
-                  </a:txBody>
-                  <a:tcPr/>
-                </a:tc>
-                <a:extLst>
-                  <a:ext uri="{0D108BD9-81ED-4DB2-BD59-A6C34878D82A}">
-                    <a16:rowId xmlns:a16="http://schemas.microsoft.com/office/drawing/2014/main" val="104424073"/>
-                  </a:ext>
-                </a:extLst>
-              </a:tr>
-            </a:tbl>
-          </a:graphicData>
-        </a:graphic>
-      </p:graphicFrame>
-    </p:spTree>
-    <p:extLst>
-      <p:ext uri="{BB962C8B-B14F-4D97-AF65-F5344CB8AC3E}">
-        <p14:creationId xmlns:p14="http://schemas.microsoft.com/office/powerpoint/2010/main" val="417586709"/>
-      </p:ext>
-    </p:extLst>
-  </p:cSld>
-  <p:clrMapOvr>
-    <a:masterClrMapping/>
-  </p:clrMapOvr>
-</p:sld>
-</file>
-
 <file path=ppt/slides/slide9.xml><?xml version="1.0" encoding="utf-8"?>
 <p:sld xmlns:a="http://schemas.openxmlformats.org/drawingml/2006/main" xmlns:r="http://schemas.openxmlformats.org/officeDocument/2006/relationships" xmlns:p="http://schemas.openxmlformats.org/presentationml/2006/main">
   <p:cSld>
@@ -10317,7 +10588,7 @@
           <p:cNvPr id="2" name="Title 1">
             <a:extLst>
               <a:ext uri="{FF2B5EF4-FFF2-40B4-BE49-F238E27FC236}">
-                <a16:creationId xmlns:a16="http://schemas.microsoft.com/office/drawing/2014/main" id="{76DE8816-DFE3-AA49-8975-D4002434FD07}"/>
+                <a16:creationId xmlns:a16="http://schemas.microsoft.com/office/drawing/2014/main" id="{46A85196-E85B-DB4C-B7E6-727318F6F983}"/>
               </a:ext>
             </a:extLst>
           </p:cNvPr>
@@ -10335,17 +10606,17 @@
           <a:p>
             <a:r>
               <a:rPr lang="en-US" dirty="0"/>
-              <a:t>Authors and master cook</a:t>
+              <a:t>Master cook and ratings</a:t>
             </a:r>
           </a:p>
         </p:txBody>
       </p:sp>
       <p:pic>
         <p:nvPicPr>
-          <p:cNvPr id="5" name="Content Placeholder 4" descr="A close up of a map&#10;&#10;Description automatically generated">
+          <p:cNvPr id="5" name="Content Placeholder 4" descr="A screenshot of a video game&#10;&#10;Description automatically generated">
             <a:extLst>
               <a:ext uri="{FF2B5EF4-FFF2-40B4-BE49-F238E27FC236}">
-                <a16:creationId xmlns:a16="http://schemas.microsoft.com/office/drawing/2014/main" id="{5E3E1C7B-62D2-1A4B-9CF2-5057A8627549}"/>
+                <a16:creationId xmlns:a16="http://schemas.microsoft.com/office/drawing/2014/main" id="{DDF9F69D-3862-8D40-982F-0E266346407F}"/>
               </a:ext>
             </a:extLst>
           </p:cNvPr>
@@ -10364,15 +10635,15 @@
         </p:blipFill>
         <p:spPr>
           <a:xfrm>
-            <a:off x="3056405" y="2357437"/>
-            <a:ext cx="5844707" cy="4237037"/>
+            <a:off x="3309377" y="2424112"/>
+            <a:ext cx="5573245" cy="4040245"/>
           </a:xfrm>
         </p:spPr>
       </p:pic>
     </p:spTree>
     <p:extLst>
       <p:ext uri="{BB962C8B-B14F-4D97-AF65-F5344CB8AC3E}">
-        <p14:creationId xmlns:p14="http://schemas.microsoft.com/office/powerpoint/2010/main" val="1244601858"/>
+        <p14:creationId xmlns:p14="http://schemas.microsoft.com/office/powerpoint/2010/main" val="2024546190"/>
       </p:ext>
     </p:extLst>
   </p:cSld>

--- a/Web_Scraping_Project_Presentation Hanbo Shao.pptx
+++ b/Web_Scraping_Project_Presentation Hanbo Shao.pptx
@@ -22,10 +22,11 @@
     <p:sldId id="267" r:id="rId16"/>
     <p:sldId id="268" r:id="rId17"/>
     <p:sldId id="269" r:id="rId18"/>
-    <p:sldId id="270" r:id="rId19"/>
-    <p:sldId id="271" r:id="rId20"/>
-    <p:sldId id="272" r:id="rId21"/>
-    <p:sldId id="273" r:id="rId22"/>
+    <p:sldId id="277" r:id="rId19"/>
+    <p:sldId id="270" r:id="rId20"/>
+    <p:sldId id="271" r:id="rId21"/>
+    <p:sldId id="272" r:id="rId22"/>
+    <p:sldId id="273" r:id="rId23"/>
   </p:sldIdLst>
   <p:sldSz cx="12192000" cy="6858000"/>
   <p:notesSz cx="6858000" cy="9144000"/>
@@ -5794,6 +5795,98 @@
           <p:cNvPr id="2" name="Title 1">
             <a:extLst>
               <a:ext uri="{FF2B5EF4-FFF2-40B4-BE49-F238E27FC236}">
+                <a16:creationId xmlns:a16="http://schemas.microsoft.com/office/drawing/2014/main" id="{E445F53A-DCFD-284F-A880-30FADCBBD02D}"/>
+              </a:ext>
+            </a:extLst>
+          </p:cNvPr>
+          <p:cNvSpPr>
+            <a:spLocks noGrp="1"/>
+          </p:cNvSpPr>
+          <p:nvPr>
+            <p:ph type="title"/>
+          </p:nvPr>
+        </p:nvSpPr>
+        <p:spPr>
+          <a:xfrm>
+            <a:off x="2231136" y="378904"/>
+            <a:ext cx="7729728" cy="1188720"/>
+          </a:xfrm>
+        </p:spPr>
+        <p:txBody>
+          <a:bodyPr/>
+          <a:lstStyle/>
+          <a:p>
+            <a:r>
+              <a:rPr lang="en-US" dirty="0"/>
+              <a:t>Ingredients and ratings</a:t>
+            </a:r>
+          </a:p>
+        </p:txBody>
+      </p:sp>
+      <p:pic>
+        <p:nvPicPr>
+          <p:cNvPr id="5" name="Content Placeholder 4" descr="A screenshot of a cell phone&#10;&#10;Description automatically generated">
+            <a:extLst>
+              <a:ext uri="{FF2B5EF4-FFF2-40B4-BE49-F238E27FC236}">
+                <a16:creationId xmlns:a16="http://schemas.microsoft.com/office/drawing/2014/main" id="{D18B9953-EDE7-4645-BA59-F8BED824A1C7}"/>
+              </a:ext>
+            </a:extLst>
+          </p:cNvPr>
+          <p:cNvPicPr>
+            <a:picLocks noGrp="1" noChangeAspect="1"/>
+          </p:cNvPicPr>
+          <p:nvPr>
+            <p:ph idx="1"/>
+          </p:nvPr>
+        </p:nvPicPr>
+        <p:blipFill>
+          <a:blip r:embed="rId2"/>
+          <a:stretch>
+            <a:fillRect/>
+          </a:stretch>
+        </p:blipFill>
+        <p:spPr>
+          <a:xfrm>
+            <a:off x="2702719" y="1799911"/>
+            <a:ext cx="6786562" cy="4919821"/>
+          </a:xfrm>
+        </p:spPr>
+      </p:pic>
+    </p:spTree>
+    <p:extLst>
+      <p:ext uri="{BB962C8B-B14F-4D97-AF65-F5344CB8AC3E}">
+        <p14:creationId xmlns:p14="http://schemas.microsoft.com/office/powerpoint/2010/main" val="1040165630"/>
+      </p:ext>
+    </p:extLst>
+  </p:cSld>
+  <p:clrMapOvr>
+    <a:masterClrMapping/>
+  </p:clrMapOvr>
+</p:sld>
+</file>
+
+<file path=ppt/slides/slide19.xml><?xml version="1.0" encoding="utf-8"?>
+<p:sld xmlns:a="http://schemas.openxmlformats.org/drawingml/2006/main" xmlns:r="http://schemas.openxmlformats.org/officeDocument/2006/relationships" xmlns:p="http://schemas.openxmlformats.org/presentationml/2006/main">
+  <p:cSld>
+    <p:spTree>
+      <p:nvGrpSpPr>
+        <p:cNvPr id="1" name=""/>
+        <p:cNvGrpSpPr/>
+        <p:nvPr/>
+      </p:nvGrpSpPr>
+      <p:grpSpPr>
+        <a:xfrm>
+          <a:off x="0" y="0"/>
+          <a:ext cx="0" cy="0"/>
+          <a:chOff x="0" y="0"/>
+          <a:chExt cx="0" cy="0"/>
+        </a:xfrm>
+      </p:grpSpPr>
+      <p:sp>
+        <p:nvSpPr>
+          <p:cNvPr id="2" name="Title 1">
+            <a:extLst>
+              <a:ext uri="{FF2B5EF4-FFF2-40B4-BE49-F238E27FC236}">
                 <a16:creationId xmlns:a16="http://schemas.microsoft.com/office/drawing/2014/main" id="{36A179D3-9474-F740-AC24-CA6951326BAD}"/>
               </a:ext>
             </a:extLst>
@@ -6257,465 +6350,6 @@
     <p:extLst>
       <p:ext uri="{BB962C8B-B14F-4D97-AF65-F5344CB8AC3E}">
         <p14:creationId xmlns:p14="http://schemas.microsoft.com/office/powerpoint/2010/main" val="1010665883"/>
-      </p:ext>
-    </p:extLst>
-  </p:cSld>
-  <p:clrMapOvr>
-    <a:masterClrMapping/>
-  </p:clrMapOvr>
-</p:sld>
-</file>
-
-<file path=ppt/slides/slide19.xml><?xml version="1.0" encoding="utf-8"?>
-<p:sld xmlns:a="http://schemas.openxmlformats.org/drawingml/2006/main" xmlns:r="http://schemas.openxmlformats.org/officeDocument/2006/relationships" xmlns:p="http://schemas.openxmlformats.org/presentationml/2006/main">
-  <p:cSld>
-    <p:spTree>
-      <p:nvGrpSpPr>
-        <p:cNvPr id="1" name=""/>
-        <p:cNvGrpSpPr/>
-        <p:nvPr/>
-      </p:nvGrpSpPr>
-      <p:grpSpPr>
-        <a:xfrm>
-          <a:off x="0" y="0"/>
-          <a:ext cx="0" cy="0"/>
-          <a:chOff x="0" y="0"/>
-          <a:chExt cx="0" cy="0"/>
-        </a:xfrm>
-      </p:grpSpPr>
-      <p:sp>
-        <p:nvSpPr>
-          <p:cNvPr id="2" name="Title 1">
-            <a:extLst>
-              <a:ext uri="{FF2B5EF4-FFF2-40B4-BE49-F238E27FC236}">
-                <a16:creationId xmlns:a16="http://schemas.microsoft.com/office/drawing/2014/main" id="{F38FA032-F156-0544-B647-680F9582DBEA}"/>
-              </a:ext>
-            </a:extLst>
-          </p:cNvPr>
-          <p:cNvSpPr>
-            <a:spLocks noGrp="1"/>
-          </p:cNvSpPr>
-          <p:nvPr>
-            <p:ph type="title"/>
-          </p:nvPr>
-        </p:nvSpPr>
-        <p:spPr/>
-        <p:txBody>
-          <a:bodyPr/>
-          <a:lstStyle/>
-          <a:p>
-            <a:r>
-              <a:rPr lang="en-US" dirty="0"/>
-              <a:t>Popular combinations</a:t>
-            </a:r>
-          </a:p>
-        </p:txBody>
-      </p:sp>
-      <p:graphicFrame>
-        <p:nvGraphicFramePr>
-          <p:cNvPr id="4" name="Content Placeholder 3">
-            <a:extLst>
-              <a:ext uri="{FF2B5EF4-FFF2-40B4-BE49-F238E27FC236}">
-                <a16:creationId xmlns:a16="http://schemas.microsoft.com/office/drawing/2014/main" id="{D04608D7-96FE-5648-8B5E-B081C2829F48}"/>
-              </a:ext>
-            </a:extLst>
-          </p:cNvPr>
-          <p:cNvGraphicFramePr>
-            <a:graphicFrameLocks noGrp="1"/>
-          </p:cNvGraphicFramePr>
-          <p:nvPr>
-            <p:ph idx="1"/>
-            <p:extLst>
-              <p:ext uri="{D42A27DB-BD31-4B8C-83A1-F6EECF244321}">
-                <p14:modId xmlns:p14="http://schemas.microsoft.com/office/powerpoint/2010/main" val="2727236917"/>
-              </p:ext>
-            </p:extLst>
-          </p:nvPr>
-        </p:nvGraphicFramePr>
-        <p:xfrm>
-          <a:off x="2231136" y="2509837"/>
-          <a:ext cx="7731126" cy="3708400"/>
-        </p:xfrm>
-        <a:graphic>
-          <a:graphicData uri="http://schemas.openxmlformats.org/drawingml/2006/table">
-            <a:tbl>
-              <a:tblPr firstRow="1" bandRow="1">
-                <a:tableStyleId>{5C22544A-7EE6-4342-B048-85BDC9FD1C3A}</a:tableStyleId>
-              </a:tblPr>
-              <a:tblGrid>
-                <a:gridCol w="3455289">
-                  <a:extLst>
-                    <a:ext uri="{9D8B030D-6E8A-4147-A177-3AD203B41FA5}">
-                      <a16:colId xmlns:a16="http://schemas.microsoft.com/office/drawing/2014/main" val="1200190527"/>
-                    </a:ext>
-                  </a:extLst>
-                </a:gridCol>
-                <a:gridCol w="4275837">
-                  <a:extLst>
-                    <a:ext uri="{9D8B030D-6E8A-4147-A177-3AD203B41FA5}">
-                      <a16:colId xmlns:a16="http://schemas.microsoft.com/office/drawing/2014/main" val="3465529967"/>
-                    </a:ext>
-                  </a:extLst>
-                </a:gridCol>
-              </a:tblGrid>
-              <a:tr h="370840">
-                <a:tc>
-                  <a:txBody>
-                    <a:bodyPr/>
-                    <a:lstStyle/>
-                    <a:p>
-                      <a:pPr algn="ctr"/>
-                      <a:r>
-                        <a:rPr lang="en-US" dirty="0"/>
-                        <a:t>Ingredients</a:t>
-                      </a:r>
-                    </a:p>
-                  </a:txBody>
-                  <a:tcPr/>
-                </a:tc>
-                <a:tc>
-                  <a:txBody>
-                    <a:bodyPr/>
-                    <a:lstStyle/>
-                    <a:p>
-                      <a:pPr algn="ctr"/>
-                      <a:r>
-                        <a:rPr lang="en-US" dirty="0"/>
-                        <a:t>Popular Combinations</a:t>
-                      </a:r>
-                    </a:p>
-                  </a:txBody>
-                  <a:tcPr/>
-                </a:tc>
-                <a:extLst>
-                  <a:ext uri="{0D108BD9-81ED-4DB2-BD59-A6C34878D82A}">
-                    <a16:rowId xmlns:a16="http://schemas.microsoft.com/office/drawing/2014/main" val="235965854"/>
-                  </a:ext>
-                </a:extLst>
-              </a:tr>
-              <a:tr h="370840">
-                <a:tc>
-                  <a:txBody>
-                    <a:bodyPr/>
-                    <a:lstStyle/>
-                    <a:p>
-                      <a:pPr algn="ctr"/>
-                      <a:r>
-                        <a:rPr lang="en-US" dirty="0"/>
-                        <a:t>Pork</a:t>
-                      </a:r>
-                    </a:p>
-                  </a:txBody>
-                  <a:tcPr/>
-                </a:tc>
-                <a:tc>
-                  <a:txBody>
-                    <a:bodyPr/>
-                    <a:lstStyle/>
-                    <a:p>
-                      <a:pPr algn="ctr"/>
-                      <a:r>
-                        <a:rPr lang="en-US" dirty="0"/>
-                        <a:t>other pork products, noodles, egg</a:t>
-                      </a:r>
-                    </a:p>
-                  </a:txBody>
-                  <a:tcPr/>
-                </a:tc>
-                <a:extLst>
-                  <a:ext uri="{0D108BD9-81ED-4DB2-BD59-A6C34878D82A}">
-                    <a16:rowId xmlns:a16="http://schemas.microsoft.com/office/drawing/2014/main" val="418953081"/>
-                  </a:ext>
-                </a:extLst>
-              </a:tr>
-              <a:tr h="370840">
-                <a:tc>
-                  <a:txBody>
-                    <a:bodyPr/>
-                    <a:lstStyle/>
-                    <a:p>
-                      <a:pPr algn="ctr"/>
-                      <a:r>
-                        <a:rPr lang="en-US" dirty="0"/>
-                        <a:t>Chicken</a:t>
-                      </a:r>
-                    </a:p>
-                  </a:txBody>
-                  <a:tcPr/>
-                </a:tc>
-                <a:tc>
-                  <a:txBody>
-                    <a:bodyPr/>
-                    <a:lstStyle/>
-                    <a:p>
-                      <a:pPr algn="ctr"/>
-                      <a:r>
-                        <a:rPr lang="en-US" dirty="0"/>
-                        <a:t>other chicken products, potatoes, carrots</a:t>
-                      </a:r>
-                    </a:p>
-                  </a:txBody>
-                  <a:tcPr/>
-                </a:tc>
-                <a:extLst>
-                  <a:ext uri="{0D108BD9-81ED-4DB2-BD59-A6C34878D82A}">
-                    <a16:rowId xmlns:a16="http://schemas.microsoft.com/office/drawing/2014/main" val="1475386462"/>
-                  </a:ext>
-                </a:extLst>
-              </a:tr>
-              <a:tr h="370840">
-                <a:tc>
-                  <a:txBody>
-                    <a:bodyPr/>
-                    <a:lstStyle/>
-                    <a:p>
-                      <a:pPr algn="ctr"/>
-                      <a:r>
-                        <a:rPr lang="en-US" dirty="0"/>
-                        <a:t>Beef</a:t>
-                      </a:r>
-                    </a:p>
-                  </a:txBody>
-                  <a:tcPr/>
-                </a:tc>
-                <a:tc>
-                  <a:txBody>
-                    <a:bodyPr/>
-                    <a:lstStyle/>
-                    <a:p>
-                      <a:pPr algn="ctr"/>
-                      <a:r>
-                        <a:rPr lang="en-US" dirty="0"/>
-                        <a:t>tomatoes, mushrooms, carrots</a:t>
-                      </a:r>
-                    </a:p>
-                  </a:txBody>
-                  <a:tcPr/>
-                </a:tc>
-                <a:extLst>
-                  <a:ext uri="{0D108BD9-81ED-4DB2-BD59-A6C34878D82A}">
-                    <a16:rowId xmlns:a16="http://schemas.microsoft.com/office/drawing/2014/main" val="2610772200"/>
-                  </a:ext>
-                </a:extLst>
-              </a:tr>
-              <a:tr h="370840">
-                <a:tc>
-                  <a:txBody>
-                    <a:bodyPr/>
-                    <a:lstStyle/>
-                    <a:p>
-                      <a:pPr algn="ctr"/>
-                      <a:r>
-                        <a:rPr lang="en-US" dirty="0"/>
-                        <a:t>Shrimp</a:t>
-                      </a:r>
-                    </a:p>
-                  </a:txBody>
-                  <a:tcPr/>
-                </a:tc>
-                <a:tc>
-                  <a:txBody>
-                    <a:bodyPr/>
-                    <a:lstStyle/>
-                    <a:p>
-                      <a:pPr algn="ctr"/>
-                      <a:r>
-                        <a:rPr lang="en-US" dirty="0"/>
-                        <a:t>egg, tomato, mushroom</a:t>
-                      </a:r>
-                    </a:p>
-                  </a:txBody>
-                  <a:tcPr/>
-                </a:tc>
-                <a:extLst>
-                  <a:ext uri="{0D108BD9-81ED-4DB2-BD59-A6C34878D82A}">
-                    <a16:rowId xmlns:a16="http://schemas.microsoft.com/office/drawing/2014/main" val="3568720305"/>
-                  </a:ext>
-                </a:extLst>
-              </a:tr>
-              <a:tr h="370840">
-                <a:tc>
-                  <a:txBody>
-                    <a:bodyPr/>
-                    <a:lstStyle/>
-                    <a:p>
-                      <a:pPr algn="ctr"/>
-                      <a:r>
-                        <a:rPr lang="en-US" dirty="0"/>
-                        <a:t>Tofu</a:t>
-                      </a:r>
-                    </a:p>
-                  </a:txBody>
-                  <a:tcPr/>
-                </a:tc>
-                <a:tc>
-                  <a:txBody>
-                    <a:bodyPr/>
-                    <a:lstStyle/>
-                    <a:p>
-                      <a:pPr algn="ctr"/>
-                      <a:r>
-                        <a:rPr lang="en-US" dirty="0"/>
-                        <a:t>other tofu product, pork, egg</a:t>
-                      </a:r>
-                    </a:p>
-                  </a:txBody>
-                  <a:tcPr/>
-                </a:tc>
-                <a:extLst>
-                  <a:ext uri="{0D108BD9-81ED-4DB2-BD59-A6C34878D82A}">
-                    <a16:rowId xmlns:a16="http://schemas.microsoft.com/office/drawing/2014/main" val="1180796164"/>
-                  </a:ext>
-                </a:extLst>
-              </a:tr>
-              <a:tr h="370840">
-                <a:tc>
-                  <a:txBody>
-                    <a:bodyPr/>
-                    <a:lstStyle/>
-                    <a:p>
-                      <a:pPr algn="ctr"/>
-                      <a:r>
-                        <a:rPr lang="en-US" dirty="0"/>
-                        <a:t>Egg</a:t>
-                      </a:r>
-                    </a:p>
-                  </a:txBody>
-                  <a:tcPr/>
-                </a:tc>
-                <a:tc>
-                  <a:txBody>
-                    <a:bodyPr/>
-                    <a:lstStyle/>
-                    <a:p>
-                      <a:pPr algn="ctr"/>
-                      <a:r>
-                        <a:rPr lang="en-US" dirty="0"/>
-                        <a:t>noodles, other eggs, pork</a:t>
-                      </a:r>
-                    </a:p>
-                  </a:txBody>
-                  <a:tcPr/>
-                </a:tc>
-                <a:extLst>
-                  <a:ext uri="{0D108BD9-81ED-4DB2-BD59-A6C34878D82A}">
-                    <a16:rowId xmlns:a16="http://schemas.microsoft.com/office/drawing/2014/main" val="3406350013"/>
-                  </a:ext>
-                </a:extLst>
-              </a:tr>
-              <a:tr h="370840">
-                <a:tc>
-                  <a:txBody>
-                    <a:bodyPr/>
-                    <a:lstStyle/>
-                    <a:p>
-                      <a:pPr algn="ctr"/>
-                      <a:r>
-                        <a:rPr lang="en-US" dirty="0"/>
-                        <a:t>Lamb</a:t>
-                      </a:r>
-                    </a:p>
-                  </a:txBody>
-                  <a:tcPr/>
-                </a:tc>
-                <a:tc>
-                  <a:txBody>
-                    <a:bodyPr/>
-                    <a:lstStyle/>
-                    <a:p>
-                      <a:pPr algn="ctr"/>
-                      <a:r>
-                        <a:rPr lang="en-US" dirty="0"/>
-                        <a:t>carrots, radish, potatoes</a:t>
-                      </a:r>
-                    </a:p>
-                  </a:txBody>
-                  <a:tcPr/>
-                </a:tc>
-                <a:extLst>
-                  <a:ext uri="{0D108BD9-81ED-4DB2-BD59-A6C34878D82A}">
-                    <a16:rowId xmlns:a16="http://schemas.microsoft.com/office/drawing/2014/main" val="4094128977"/>
-                  </a:ext>
-                </a:extLst>
-              </a:tr>
-              <a:tr h="370840">
-                <a:tc>
-                  <a:txBody>
-                    <a:bodyPr/>
-                    <a:lstStyle/>
-                    <a:p>
-                      <a:pPr algn="ctr"/>
-                      <a:r>
-                        <a:rPr lang="en-US" dirty="0"/>
-                        <a:t>Fish</a:t>
-                      </a:r>
-                    </a:p>
-                  </a:txBody>
-                  <a:tcPr/>
-                </a:tc>
-                <a:tc>
-                  <a:txBody>
-                    <a:bodyPr/>
-                    <a:lstStyle/>
-                    <a:p>
-                      <a:pPr algn="ctr"/>
-                      <a:r>
-                        <a:rPr lang="en-US" dirty="0"/>
-                        <a:t>tofu, mushroom, tomato</a:t>
-                      </a:r>
-                    </a:p>
-                  </a:txBody>
-                  <a:tcPr/>
-                </a:tc>
-                <a:extLst>
-                  <a:ext uri="{0D108BD9-81ED-4DB2-BD59-A6C34878D82A}">
-                    <a16:rowId xmlns:a16="http://schemas.microsoft.com/office/drawing/2014/main" val="954049220"/>
-                  </a:ext>
-                </a:extLst>
-              </a:tr>
-              <a:tr h="370840">
-                <a:tc>
-                  <a:txBody>
-                    <a:bodyPr/>
-                    <a:lstStyle/>
-                    <a:p>
-                      <a:pPr algn="ctr"/>
-                      <a:r>
-                        <a:rPr lang="en-US" dirty="0"/>
-                        <a:t>Duck</a:t>
-                      </a:r>
-                    </a:p>
-                  </a:txBody>
-                  <a:tcPr/>
-                </a:tc>
-                <a:tc>
-                  <a:txBody>
-                    <a:bodyPr/>
-                    <a:lstStyle/>
-                    <a:p>
-                      <a:pPr algn="ctr"/>
-                      <a:r>
-                        <a:rPr lang="en-US" dirty="0"/>
-                        <a:t>tofu, mushroom, fish</a:t>
-                      </a:r>
-                    </a:p>
-                  </a:txBody>
-                  <a:tcPr/>
-                </a:tc>
-                <a:extLst>
-                  <a:ext uri="{0D108BD9-81ED-4DB2-BD59-A6C34878D82A}">
-                    <a16:rowId xmlns:a16="http://schemas.microsoft.com/office/drawing/2014/main" val="4023644476"/>
-                  </a:ext>
-                </a:extLst>
-              </a:tr>
-            </a:tbl>
-          </a:graphicData>
-        </a:graphic>
-      </p:graphicFrame>
-    </p:spTree>
-    <p:extLst>
-      <p:ext uri="{BB962C8B-B14F-4D97-AF65-F5344CB8AC3E}">
-        <p14:creationId xmlns:p14="http://schemas.microsoft.com/office/powerpoint/2010/main" val="3621531981"/>
       </p:ext>
     </p:extLst>
   </p:cSld>
@@ -7588,6 +7222,465 @@
           <p:cNvPr id="2" name="Title 1">
             <a:extLst>
               <a:ext uri="{FF2B5EF4-FFF2-40B4-BE49-F238E27FC236}">
+                <a16:creationId xmlns:a16="http://schemas.microsoft.com/office/drawing/2014/main" id="{F38FA032-F156-0544-B647-680F9582DBEA}"/>
+              </a:ext>
+            </a:extLst>
+          </p:cNvPr>
+          <p:cNvSpPr>
+            <a:spLocks noGrp="1"/>
+          </p:cNvSpPr>
+          <p:nvPr>
+            <p:ph type="title"/>
+          </p:nvPr>
+        </p:nvSpPr>
+        <p:spPr/>
+        <p:txBody>
+          <a:bodyPr/>
+          <a:lstStyle/>
+          <a:p>
+            <a:r>
+              <a:rPr lang="en-US" dirty="0"/>
+              <a:t>Popular combinations</a:t>
+            </a:r>
+          </a:p>
+        </p:txBody>
+      </p:sp>
+      <p:graphicFrame>
+        <p:nvGraphicFramePr>
+          <p:cNvPr id="4" name="Content Placeholder 3">
+            <a:extLst>
+              <a:ext uri="{FF2B5EF4-FFF2-40B4-BE49-F238E27FC236}">
+                <a16:creationId xmlns:a16="http://schemas.microsoft.com/office/drawing/2014/main" id="{D04608D7-96FE-5648-8B5E-B081C2829F48}"/>
+              </a:ext>
+            </a:extLst>
+          </p:cNvPr>
+          <p:cNvGraphicFramePr>
+            <a:graphicFrameLocks noGrp="1"/>
+          </p:cNvGraphicFramePr>
+          <p:nvPr>
+            <p:ph idx="1"/>
+            <p:extLst>
+              <p:ext uri="{D42A27DB-BD31-4B8C-83A1-F6EECF244321}">
+                <p14:modId xmlns:p14="http://schemas.microsoft.com/office/powerpoint/2010/main" val="2727236917"/>
+              </p:ext>
+            </p:extLst>
+          </p:nvPr>
+        </p:nvGraphicFramePr>
+        <p:xfrm>
+          <a:off x="2231136" y="2509837"/>
+          <a:ext cx="7731126" cy="3708400"/>
+        </p:xfrm>
+        <a:graphic>
+          <a:graphicData uri="http://schemas.openxmlformats.org/drawingml/2006/table">
+            <a:tbl>
+              <a:tblPr firstRow="1" bandRow="1">
+                <a:tableStyleId>{5C22544A-7EE6-4342-B048-85BDC9FD1C3A}</a:tableStyleId>
+              </a:tblPr>
+              <a:tblGrid>
+                <a:gridCol w="3455289">
+                  <a:extLst>
+                    <a:ext uri="{9D8B030D-6E8A-4147-A177-3AD203B41FA5}">
+                      <a16:colId xmlns:a16="http://schemas.microsoft.com/office/drawing/2014/main" val="1200190527"/>
+                    </a:ext>
+                  </a:extLst>
+                </a:gridCol>
+                <a:gridCol w="4275837">
+                  <a:extLst>
+                    <a:ext uri="{9D8B030D-6E8A-4147-A177-3AD203B41FA5}">
+                      <a16:colId xmlns:a16="http://schemas.microsoft.com/office/drawing/2014/main" val="3465529967"/>
+                    </a:ext>
+                  </a:extLst>
+                </a:gridCol>
+              </a:tblGrid>
+              <a:tr h="370840">
+                <a:tc>
+                  <a:txBody>
+                    <a:bodyPr/>
+                    <a:lstStyle/>
+                    <a:p>
+                      <a:pPr algn="ctr"/>
+                      <a:r>
+                        <a:rPr lang="en-US" dirty="0"/>
+                        <a:t>Ingredients</a:t>
+                      </a:r>
+                    </a:p>
+                  </a:txBody>
+                  <a:tcPr/>
+                </a:tc>
+                <a:tc>
+                  <a:txBody>
+                    <a:bodyPr/>
+                    <a:lstStyle/>
+                    <a:p>
+                      <a:pPr algn="ctr"/>
+                      <a:r>
+                        <a:rPr lang="en-US" dirty="0"/>
+                        <a:t>Popular Combinations</a:t>
+                      </a:r>
+                    </a:p>
+                  </a:txBody>
+                  <a:tcPr/>
+                </a:tc>
+                <a:extLst>
+                  <a:ext uri="{0D108BD9-81ED-4DB2-BD59-A6C34878D82A}">
+                    <a16:rowId xmlns:a16="http://schemas.microsoft.com/office/drawing/2014/main" val="235965854"/>
+                  </a:ext>
+                </a:extLst>
+              </a:tr>
+              <a:tr h="370840">
+                <a:tc>
+                  <a:txBody>
+                    <a:bodyPr/>
+                    <a:lstStyle/>
+                    <a:p>
+                      <a:pPr algn="ctr"/>
+                      <a:r>
+                        <a:rPr lang="en-US" dirty="0"/>
+                        <a:t>Pork</a:t>
+                      </a:r>
+                    </a:p>
+                  </a:txBody>
+                  <a:tcPr/>
+                </a:tc>
+                <a:tc>
+                  <a:txBody>
+                    <a:bodyPr/>
+                    <a:lstStyle/>
+                    <a:p>
+                      <a:pPr algn="ctr"/>
+                      <a:r>
+                        <a:rPr lang="en-US" dirty="0"/>
+                        <a:t>other pork products, noodles, egg</a:t>
+                      </a:r>
+                    </a:p>
+                  </a:txBody>
+                  <a:tcPr/>
+                </a:tc>
+                <a:extLst>
+                  <a:ext uri="{0D108BD9-81ED-4DB2-BD59-A6C34878D82A}">
+                    <a16:rowId xmlns:a16="http://schemas.microsoft.com/office/drawing/2014/main" val="418953081"/>
+                  </a:ext>
+                </a:extLst>
+              </a:tr>
+              <a:tr h="370840">
+                <a:tc>
+                  <a:txBody>
+                    <a:bodyPr/>
+                    <a:lstStyle/>
+                    <a:p>
+                      <a:pPr algn="ctr"/>
+                      <a:r>
+                        <a:rPr lang="en-US" dirty="0"/>
+                        <a:t>Chicken</a:t>
+                      </a:r>
+                    </a:p>
+                  </a:txBody>
+                  <a:tcPr/>
+                </a:tc>
+                <a:tc>
+                  <a:txBody>
+                    <a:bodyPr/>
+                    <a:lstStyle/>
+                    <a:p>
+                      <a:pPr algn="ctr"/>
+                      <a:r>
+                        <a:rPr lang="en-US" dirty="0"/>
+                        <a:t>other chicken products, potatoes, carrots</a:t>
+                      </a:r>
+                    </a:p>
+                  </a:txBody>
+                  <a:tcPr/>
+                </a:tc>
+                <a:extLst>
+                  <a:ext uri="{0D108BD9-81ED-4DB2-BD59-A6C34878D82A}">
+                    <a16:rowId xmlns:a16="http://schemas.microsoft.com/office/drawing/2014/main" val="1475386462"/>
+                  </a:ext>
+                </a:extLst>
+              </a:tr>
+              <a:tr h="370840">
+                <a:tc>
+                  <a:txBody>
+                    <a:bodyPr/>
+                    <a:lstStyle/>
+                    <a:p>
+                      <a:pPr algn="ctr"/>
+                      <a:r>
+                        <a:rPr lang="en-US" dirty="0"/>
+                        <a:t>Beef</a:t>
+                      </a:r>
+                    </a:p>
+                  </a:txBody>
+                  <a:tcPr/>
+                </a:tc>
+                <a:tc>
+                  <a:txBody>
+                    <a:bodyPr/>
+                    <a:lstStyle/>
+                    <a:p>
+                      <a:pPr algn="ctr"/>
+                      <a:r>
+                        <a:rPr lang="en-US" dirty="0"/>
+                        <a:t>tomatoes, mushrooms, carrots</a:t>
+                      </a:r>
+                    </a:p>
+                  </a:txBody>
+                  <a:tcPr/>
+                </a:tc>
+                <a:extLst>
+                  <a:ext uri="{0D108BD9-81ED-4DB2-BD59-A6C34878D82A}">
+                    <a16:rowId xmlns:a16="http://schemas.microsoft.com/office/drawing/2014/main" val="2610772200"/>
+                  </a:ext>
+                </a:extLst>
+              </a:tr>
+              <a:tr h="370840">
+                <a:tc>
+                  <a:txBody>
+                    <a:bodyPr/>
+                    <a:lstStyle/>
+                    <a:p>
+                      <a:pPr algn="ctr"/>
+                      <a:r>
+                        <a:rPr lang="en-US" dirty="0"/>
+                        <a:t>Shrimp</a:t>
+                      </a:r>
+                    </a:p>
+                  </a:txBody>
+                  <a:tcPr/>
+                </a:tc>
+                <a:tc>
+                  <a:txBody>
+                    <a:bodyPr/>
+                    <a:lstStyle/>
+                    <a:p>
+                      <a:pPr algn="ctr"/>
+                      <a:r>
+                        <a:rPr lang="en-US" dirty="0"/>
+                        <a:t>egg, tomato, mushroom</a:t>
+                      </a:r>
+                    </a:p>
+                  </a:txBody>
+                  <a:tcPr/>
+                </a:tc>
+                <a:extLst>
+                  <a:ext uri="{0D108BD9-81ED-4DB2-BD59-A6C34878D82A}">
+                    <a16:rowId xmlns:a16="http://schemas.microsoft.com/office/drawing/2014/main" val="3568720305"/>
+                  </a:ext>
+                </a:extLst>
+              </a:tr>
+              <a:tr h="370840">
+                <a:tc>
+                  <a:txBody>
+                    <a:bodyPr/>
+                    <a:lstStyle/>
+                    <a:p>
+                      <a:pPr algn="ctr"/>
+                      <a:r>
+                        <a:rPr lang="en-US" dirty="0"/>
+                        <a:t>Tofu</a:t>
+                      </a:r>
+                    </a:p>
+                  </a:txBody>
+                  <a:tcPr/>
+                </a:tc>
+                <a:tc>
+                  <a:txBody>
+                    <a:bodyPr/>
+                    <a:lstStyle/>
+                    <a:p>
+                      <a:pPr algn="ctr"/>
+                      <a:r>
+                        <a:rPr lang="en-US" dirty="0"/>
+                        <a:t>other tofu product, pork, egg</a:t>
+                      </a:r>
+                    </a:p>
+                  </a:txBody>
+                  <a:tcPr/>
+                </a:tc>
+                <a:extLst>
+                  <a:ext uri="{0D108BD9-81ED-4DB2-BD59-A6C34878D82A}">
+                    <a16:rowId xmlns:a16="http://schemas.microsoft.com/office/drawing/2014/main" val="1180796164"/>
+                  </a:ext>
+                </a:extLst>
+              </a:tr>
+              <a:tr h="370840">
+                <a:tc>
+                  <a:txBody>
+                    <a:bodyPr/>
+                    <a:lstStyle/>
+                    <a:p>
+                      <a:pPr algn="ctr"/>
+                      <a:r>
+                        <a:rPr lang="en-US" dirty="0"/>
+                        <a:t>Egg</a:t>
+                      </a:r>
+                    </a:p>
+                  </a:txBody>
+                  <a:tcPr/>
+                </a:tc>
+                <a:tc>
+                  <a:txBody>
+                    <a:bodyPr/>
+                    <a:lstStyle/>
+                    <a:p>
+                      <a:pPr algn="ctr"/>
+                      <a:r>
+                        <a:rPr lang="en-US" dirty="0"/>
+                        <a:t>noodles, other eggs, pork</a:t>
+                      </a:r>
+                    </a:p>
+                  </a:txBody>
+                  <a:tcPr/>
+                </a:tc>
+                <a:extLst>
+                  <a:ext uri="{0D108BD9-81ED-4DB2-BD59-A6C34878D82A}">
+                    <a16:rowId xmlns:a16="http://schemas.microsoft.com/office/drawing/2014/main" val="3406350013"/>
+                  </a:ext>
+                </a:extLst>
+              </a:tr>
+              <a:tr h="370840">
+                <a:tc>
+                  <a:txBody>
+                    <a:bodyPr/>
+                    <a:lstStyle/>
+                    <a:p>
+                      <a:pPr algn="ctr"/>
+                      <a:r>
+                        <a:rPr lang="en-US" dirty="0"/>
+                        <a:t>Lamb</a:t>
+                      </a:r>
+                    </a:p>
+                  </a:txBody>
+                  <a:tcPr/>
+                </a:tc>
+                <a:tc>
+                  <a:txBody>
+                    <a:bodyPr/>
+                    <a:lstStyle/>
+                    <a:p>
+                      <a:pPr algn="ctr"/>
+                      <a:r>
+                        <a:rPr lang="en-US" dirty="0"/>
+                        <a:t>carrots, radish, potatoes</a:t>
+                      </a:r>
+                    </a:p>
+                  </a:txBody>
+                  <a:tcPr/>
+                </a:tc>
+                <a:extLst>
+                  <a:ext uri="{0D108BD9-81ED-4DB2-BD59-A6C34878D82A}">
+                    <a16:rowId xmlns:a16="http://schemas.microsoft.com/office/drawing/2014/main" val="4094128977"/>
+                  </a:ext>
+                </a:extLst>
+              </a:tr>
+              <a:tr h="370840">
+                <a:tc>
+                  <a:txBody>
+                    <a:bodyPr/>
+                    <a:lstStyle/>
+                    <a:p>
+                      <a:pPr algn="ctr"/>
+                      <a:r>
+                        <a:rPr lang="en-US" dirty="0"/>
+                        <a:t>Fish</a:t>
+                      </a:r>
+                    </a:p>
+                  </a:txBody>
+                  <a:tcPr/>
+                </a:tc>
+                <a:tc>
+                  <a:txBody>
+                    <a:bodyPr/>
+                    <a:lstStyle/>
+                    <a:p>
+                      <a:pPr algn="ctr"/>
+                      <a:r>
+                        <a:rPr lang="en-US" dirty="0"/>
+                        <a:t>tofu, mushroom, tomato</a:t>
+                      </a:r>
+                    </a:p>
+                  </a:txBody>
+                  <a:tcPr/>
+                </a:tc>
+                <a:extLst>
+                  <a:ext uri="{0D108BD9-81ED-4DB2-BD59-A6C34878D82A}">
+                    <a16:rowId xmlns:a16="http://schemas.microsoft.com/office/drawing/2014/main" val="954049220"/>
+                  </a:ext>
+                </a:extLst>
+              </a:tr>
+              <a:tr h="370840">
+                <a:tc>
+                  <a:txBody>
+                    <a:bodyPr/>
+                    <a:lstStyle/>
+                    <a:p>
+                      <a:pPr algn="ctr"/>
+                      <a:r>
+                        <a:rPr lang="en-US" dirty="0"/>
+                        <a:t>Duck</a:t>
+                      </a:r>
+                    </a:p>
+                  </a:txBody>
+                  <a:tcPr/>
+                </a:tc>
+                <a:tc>
+                  <a:txBody>
+                    <a:bodyPr/>
+                    <a:lstStyle/>
+                    <a:p>
+                      <a:pPr algn="ctr"/>
+                      <a:r>
+                        <a:rPr lang="en-US" dirty="0"/>
+                        <a:t>tofu, mushroom, fish</a:t>
+                      </a:r>
+                    </a:p>
+                  </a:txBody>
+                  <a:tcPr/>
+                </a:tc>
+                <a:extLst>
+                  <a:ext uri="{0D108BD9-81ED-4DB2-BD59-A6C34878D82A}">
+                    <a16:rowId xmlns:a16="http://schemas.microsoft.com/office/drawing/2014/main" val="4023644476"/>
+                  </a:ext>
+                </a:extLst>
+              </a:tr>
+            </a:tbl>
+          </a:graphicData>
+        </a:graphic>
+      </p:graphicFrame>
+    </p:spTree>
+    <p:extLst>
+      <p:ext uri="{BB962C8B-B14F-4D97-AF65-F5344CB8AC3E}">
+        <p14:creationId xmlns:p14="http://schemas.microsoft.com/office/powerpoint/2010/main" val="3621531981"/>
+      </p:ext>
+    </p:extLst>
+  </p:cSld>
+  <p:clrMapOvr>
+    <a:masterClrMapping/>
+  </p:clrMapOvr>
+</p:sld>
+</file>
+
+<file path=ppt/slides/slide21.xml><?xml version="1.0" encoding="utf-8"?>
+<p:sld xmlns:a="http://schemas.openxmlformats.org/drawingml/2006/main" xmlns:r="http://schemas.openxmlformats.org/officeDocument/2006/relationships" xmlns:p="http://schemas.openxmlformats.org/presentationml/2006/main">
+  <p:cSld>
+    <p:spTree>
+      <p:nvGrpSpPr>
+        <p:cNvPr id="1" name=""/>
+        <p:cNvGrpSpPr/>
+        <p:nvPr/>
+      </p:nvGrpSpPr>
+      <p:grpSpPr>
+        <a:xfrm>
+          <a:off x="0" y="0"/>
+          <a:ext cx="0" cy="0"/>
+          <a:chOff x="0" y="0"/>
+          <a:chExt cx="0" cy="0"/>
+        </a:xfrm>
+      </p:grpSpPr>
+      <p:sp>
+        <p:nvSpPr>
+          <p:cNvPr id="2" name="Title 1">
+            <a:extLst>
+              <a:ext uri="{FF2B5EF4-FFF2-40B4-BE49-F238E27FC236}">
                 <a16:creationId xmlns:a16="http://schemas.microsoft.com/office/drawing/2014/main" id="{8DA23197-E970-4D4C-8F03-524358DAB6C8}"/>
               </a:ext>
             </a:extLst>
@@ -7667,7 +7760,7 @@
 </p:sld>
 </file>
 
-<file path=ppt/slides/slide21.xml><?xml version="1.0" encoding="utf-8"?>
+<file path=ppt/slides/slide22.xml><?xml version="1.0" encoding="utf-8"?>
 <p:sld xmlns:a="http://schemas.openxmlformats.org/drawingml/2006/main" xmlns:r="http://schemas.openxmlformats.org/officeDocument/2006/relationships" xmlns:p="http://schemas.openxmlformats.org/presentationml/2006/main">
   <p:cSld>
     <p:spTree>

--- a/Web_Scraping_Project_Presentation Hanbo Shao.pptx
+++ b/Web_Scraping_Project_Presentation Hanbo Shao.pptx
@@ -22,11 +22,12 @@
     <p:sldId id="267" r:id="rId16"/>
     <p:sldId id="268" r:id="rId17"/>
     <p:sldId id="269" r:id="rId18"/>
-    <p:sldId id="277" r:id="rId19"/>
-    <p:sldId id="270" r:id="rId20"/>
-    <p:sldId id="271" r:id="rId21"/>
-    <p:sldId id="272" r:id="rId22"/>
-    <p:sldId id="273" r:id="rId23"/>
+    <p:sldId id="270" r:id="rId19"/>
+    <p:sldId id="277" r:id="rId20"/>
+    <p:sldId id="278" r:id="rId21"/>
+    <p:sldId id="271" r:id="rId22"/>
+    <p:sldId id="272" r:id="rId23"/>
+    <p:sldId id="273" r:id="rId24"/>
   </p:sldIdLst>
   <p:sldSz cx="12192000" cy="6858000"/>
   <p:notesSz cx="6858000" cy="9144000"/>
@@ -296,7 +297,7 @@
           <a:p>
             <a:fld id="{E111BD81-2F8D-5544-AE1D-307275A5D5FC}" type="datetimeFigureOut">
               <a:rPr lang="en-US" smtClean="0"/>
-              <a:t>1/27/20</a:t>
+              <a:t>1/28/20</a:t>
             </a:fld>
             <a:endParaRPr lang="en-US"/>
           </a:p>
@@ -466,7 +467,7 @@
           <a:p>
             <a:fld id="{E111BD81-2F8D-5544-AE1D-307275A5D5FC}" type="datetimeFigureOut">
               <a:rPr lang="en-US" smtClean="0"/>
-              <a:t>1/27/20</a:t>
+              <a:t>1/28/20</a:t>
             </a:fld>
             <a:endParaRPr lang="en-US"/>
           </a:p>
@@ -646,7 +647,7 @@
           <a:p>
             <a:fld id="{E111BD81-2F8D-5544-AE1D-307275A5D5FC}" type="datetimeFigureOut">
               <a:rPr lang="en-US" smtClean="0"/>
-              <a:t>1/27/20</a:t>
+              <a:t>1/28/20</a:t>
             </a:fld>
             <a:endParaRPr lang="en-US"/>
           </a:p>
@@ -816,7 +817,7 @@
           <a:p>
             <a:fld id="{E111BD81-2F8D-5544-AE1D-307275A5D5FC}" type="datetimeFigureOut">
               <a:rPr lang="en-US" smtClean="0"/>
-              <a:t>1/27/20</a:t>
+              <a:t>1/28/20</a:t>
             </a:fld>
             <a:endParaRPr lang="en-US"/>
           </a:p>
@@ -1084,7 +1085,7 @@
           <a:p>
             <a:fld id="{E111BD81-2F8D-5544-AE1D-307275A5D5FC}" type="datetimeFigureOut">
               <a:rPr lang="en-US" smtClean="0"/>
-              <a:t>1/27/20</a:t>
+              <a:t>1/28/20</a:t>
             </a:fld>
             <a:endParaRPr lang="en-US"/>
           </a:p>
@@ -1316,7 +1317,7 @@
           <a:p>
             <a:fld id="{E111BD81-2F8D-5544-AE1D-307275A5D5FC}" type="datetimeFigureOut">
               <a:rPr lang="en-US" smtClean="0"/>
-              <a:t>1/27/20</a:t>
+              <a:t>1/28/20</a:t>
             </a:fld>
             <a:endParaRPr lang="en-US"/>
           </a:p>
@@ -1675,7 +1676,7 @@
           <a:p>
             <a:fld id="{E111BD81-2F8D-5544-AE1D-307275A5D5FC}" type="datetimeFigureOut">
               <a:rPr lang="en-US" smtClean="0"/>
-              <a:t>1/27/20</a:t>
+              <a:t>1/28/20</a:t>
             </a:fld>
             <a:endParaRPr lang="en-US"/>
           </a:p>
@@ -1816,7 +1817,7 @@
           <a:p>
             <a:fld id="{E111BD81-2F8D-5544-AE1D-307275A5D5FC}" type="datetimeFigureOut">
               <a:rPr lang="en-US" smtClean="0"/>
-              <a:t>1/27/20</a:t>
+              <a:t>1/28/20</a:t>
             </a:fld>
             <a:endParaRPr lang="en-US"/>
           </a:p>
@@ -1911,7 +1912,7 @@
           <a:p>
             <a:fld id="{E111BD81-2F8D-5544-AE1D-307275A5D5FC}" type="datetimeFigureOut">
               <a:rPr lang="en-US" smtClean="0"/>
-              <a:t>1/27/20</a:t>
+              <a:t>1/28/20</a:t>
             </a:fld>
             <a:endParaRPr lang="en-US"/>
           </a:p>
@@ -2268,7 +2269,7 @@
           <a:p>
             <a:fld id="{E111BD81-2F8D-5544-AE1D-307275A5D5FC}" type="datetimeFigureOut">
               <a:rPr lang="en-US" smtClean="0"/>
-              <a:t>1/27/20</a:t>
+              <a:t>1/28/20</a:t>
             </a:fld>
             <a:endParaRPr lang="en-US"/>
           </a:p>
@@ -2625,7 +2626,7 @@
           <a:p>
             <a:fld id="{E111BD81-2F8D-5544-AE1D-307275A5D5FC}" type="datetimeFigureOut">
               <a:rPr lang="en-US" smtClean="0"/>
-              <a:t>1/27/20</a:t>
+              <a:t>1/28/20</a:t>
             </a:fld>
             <a:endParaRPr lang="en-US"/>
           </a:p>
@@ -2867,7 +2868,7 @@
           <a:p>
             <a:fld id="{E111BD81-2F8D-5544-AE1D-307275A5D5FC}" type="datetimeFigureOut">
               <a:rPr lang="en-US" smtClean="0"/>
-              <a:t>1/27/20</a:t>
+              <a:t>1/28/20</a:t>
             </a:fld>
             <a:endParaRPr lang="en-US"/>
           </a:p>
@@ -4759,10 +4760,10 @@
       </p:sp>
       <p:pic>
         <p:nvPicPr>
-          <p:cNvPr id="5" name="Content Placeholder 4" descr="A close up of a map&#10;&#10;Description automatically generated">
+          <p:cNvPr id="7" name="Content Placeholder 6" descr="A screenshot of a cell phone&#10;&#10;Description automatically generated">
             <a:extLst>
               <a:ext uri="{FF2B5EF4-FFF2-40B4-BE49-F238E27FC236}">
-                <a16:creationId xmlns:a16="http://schemas.microsoft.com/office/drawing/2014/main" id="{5E3E1C7B-62D2-1A4B-9CF2-5057A8627549}"/>
+                <a16:creationId xmlns:a16="http://schemas.microsoft.com/office/drawing/2014/main" id="{6EA36213-C94E-C542-8C10-DE2DDF1F2F7A}"/>
               </a:ext>
             </a:extLst>
           </p:cNvPr>
@@ -4781,8 +4782,8 @@
         </p:blipFill>
         <p:spPr>
           <a:xfrm>
-            <a:off x="3056405" y="2357437"/>
-            <a:ext cx="5844707" cy="4237037"/>
+            <a:off x="3037915" y="2324100"/>
+            <a:ext cx="6116170" cy="4433831"/>
           </a:xfrm>
         </p:spPr>
       </p:pic>
@@ -5795,98 +5796,6 @@
           <p:cNvPr id="2" name="Title 1">
             <a:extLst>
               <a:ext uri="{FF2B5EF4-FFF2-40B4-BE49-F238E27FC236}">
-                <a16:creationId xmlns:a16="http://schemas.microsoft.com/office/drawing/2014/main" id="{E445F53A-DCFD-284F-A880-30FADCBBD02D}"/>
-              </a:ext>
-            </a:extLst>
-          </p:cNvPr>
-          <p:cNvSpPr>
-            <a:spLocks noGrp="1"/>
-          </p:cNvSpPr>
-          <p:nvPr>
-            <p:ph type="title"/>
-          </p:nvPr>
-        </p:nvSpPr>
-        <p:spPr>
-          <a:xfrm>
-            <a:off x="2231136" y="378904"/>
-            <a:ext cx="7729728" cy="1188720"/>
-          </a:xfrm>
-        </p:spPr>
-        <p:txBody>
-          <a:bodyPr/>
-          <a:lstStyle/>
-          <a:p>
-            <a:r>
-              <a:rPr lang="en-US" dirty="0"/>
-              <a:t>Ingredients and ratings</a:t>
-            </a:r>
-          </a:p>
-        </p:txBody>
-      </p:sp>
-      <p:pic>
-        <p:nvPicPr>
-          <p:cNvPr id="5" name="Content Placeholder 4" descr="A screenshot of a cell phone&#10;&#10;Description automatically generated">
-            <a:extLst>
-              <a:ext uri="{FF2B5EF4-FFF2-40B4-BE49-F238E27FC236}">
-                <a16:creationId xmlns:a16="http://schemas.microsoft.com/office/drawing/2014/main" id="{D18B9953-EDE7-4645-BA59-F8BED824A1C7}"/>
-              </a:ext>
-            </a:extLst>
-          </p:cNvPr>
-          <p:cNvPicPr>
-            <a:picLocks noGrp="1" noChangeAspect="1"/>
-          </p:cNvPicPr>
-          <p:nvPr>
-            <p:ph idx="1"/>
-          </p:nvPr>
-        </p:nvPicPr>
-        <p:blipFill>
-          <a:blip r:embed="rId2"/>
-          <a:stretch>
-            <a:fillRect/>
-          </a:stretch>
-        </p:blipFill>
-        <p:spPr>
-          <a:xfrm>
-            <a:off x="2702719" y="1799911"/>
-            <a:ext cx="6786562" cy="4919821"/>
-          </a:xfrm>
-        </p:spPr>
-      </p:pic>
-    </p:spTree>
-    <p:extLst>
-      <p:ext uri="{BB962C8B-B14F-4D97-AF65-F5344CB8AC3E}">
-        <p14:creationId xmlns:p14="http://schemas.microsoft.com/office/powerpoint/2010/main" val="1040165630"/>
-      </p:ext>
-    </p:extLst>
-  </p:cSld>
-  <p:clrMapOvr>
-    <a:masterClrMapping/>
-  </p:clrMapOvr>
-</p:sld>
-</file>
-
-<file path=ppt/slides/slide19.xml><?xml version="1.0" encoding="utf-8"?>
-<p:sld xmlns:a="http://schemas.openxmlformats.org/drawingml/2006/main" xmlns:r="http://schemas.openxmlformats.org/officeDocument/2006/relationships" xmlns:p="http://schemas.openxmlformats.org/presentationml/2006/main">
-  <p:cSld>
-    <p:spTree>
-      <p:nvGrpSpPr>
-        <p:cNvPr id="1" name=""/>
-        <p:cNvGrpSpPr/>
-        <p:nvPr/>
-      </p:nvGrpSpPr>
-      <p:grpSpPr>
-        <a:xfrm>
-          <a:off x="0" y="0"/>
-          <a:ext cx="0" cy="0"/>
-          <a:chOff x="0" y="0"/>
-          <a:chExt cx="0" cy="0"/>
-        </a:xfrm>
-      </p:grpSpPr>
-      <p:sp>
-        <p:nvSpPr>
-          <p:cNvPr id="2" name="Title 1">
-            <a:extLst>
-              <a:ext uri="{FF2B5EF4-FFF2-40B4-BE49-F238E27FC236}">
                 <a16:creationId xmlns:a16="http://schemas.microsoft.com/office/drawing/2014/main" id="{36A179D3-9474-F740-AC24-CA6951326BAD}"/>
               </a:ext>
             </a:extLst>
@@ -6350,6 +6259,98 @@
     <p:extLst>
       <p:ext uri="{BB962C8B-B14F-4D97-AF65-F5344CB8AC3E}">
         <p14:creationId xmlns:p14="http://schemas.microsoft.com/office/powerpoint/2010/main" val="1010665883"/>
+      </p:ext>
+    </p:extLst>
+  </p:cSld>
+  <p:clrMapOvr>
+    <a:masterClrMapping/>
+  </p:clrMapOvr>
+</p:sld>
+</file>
+
+<file path=ppt/slides/slide19.xml><?xml version="1.0" encoding="utf-8"?>
+<p:sld xmlns:a="http://schemas.openxmlformats.org/drawingml/2006/main" xmlns:r="http://schemas.openxmlformats.org/officeDocument/2006/relationships" xmlns:p="http://schemas.openxmlformats.org/presentationml/2006/main">
+  <p:cSld>
+    <p:spTree>
+      <p:nvGrpSpPr>
+        <p:cNvPr id="1" name=""/>
+        <p:cNvGrpSpPr/>
+        <p:nvPr/>
+      </p:nvGrpSpPr>
+      <p:grpSpPr>
+        <a:xfrm>
+          <a:off x="0" y="0"/>
+          <a:ext cx="0" cy="0"/>
+          <a:chOff x="0" y="0"/>
+          <a:chExt cx="0" cy="0"/>
+        </a:xfrm>
+      </p:grpSpPr>
+      <p:sp>
+        <p:nvSpPr>
+          <p:cNvPr id="2" name="Title 1">
+            <a:extLst>
+              <a:ext uri="{FF2B5EF4-FFF2-40B4-BE49-F238E27FC236}">
+                <a16:creationId xmlns:a16="http://schemas.microsoft.com/office/drawing/2014/main" id="{E445F53A-DCFD-284F-A880-30FADCBBD02D}"/>
+              </a:ext>
+            </a:extLst>
+          </p:cNvPr>
+          <p:cNvSpPr>
+            <a:spLocks noGrp="1"/>
+          </p:cNvSpPr>
+          <p:nvPr>
+            <p:ph type="title"/>
+          </p:nvPr>
+        </p:nvSpPr>
+        <p:spPr>
+          <a:xfrm>
+            <a:off x="2231136" y="378904"/>
+            <a:ext cx="7729728" cy="1188720"/>
+          </a:xfrm>
+        </p:spPr>
+        <p:txBody>
+          <a:bodyPr/>
+          <a:lstStyle/>
+          <a:p>
+            <a:r>
+              <a:rPr lang="en-US" dirty="0"/>
+              <a:t>Ingredients and ratings</a:t>
+            </a:r>
+          </a:p>
+        </p:txBody>
+      </p:sp>
+      <p:pic>
+        <p:nvPicPr>
+          <p:cNvPr id="5" name="Content Placeholder 4" descr="A screenshot of a cell phone&#10;&#10;Description automatically generated">
+            <a:extLst>
+              <a:ext uri="{FF2B5EF4-FFF2-40B4-BE49-F238E27FC236}">
+                <a16:creationId xmlns:a16="http://schemas.microsoft.com/office/drawing/2014/main" id="{D18B9953-EDE7-4645-BA59-F8BED824A1C7}"/>
+              </a:ext>
+            </a:extLst>
+          </p:cNvPr>
+          <p:cNvPicPr>
+            <a:picLocks noGrp="1" noChangeAspect="1"/>
+          </p:cNvPicPr>
+          <p:nvPr>
+            <p:ph idx="1"/>
+          </p:nvPr>
+        </p:nvPicPr>
+        <p:blipFill>
+          <a:blip r:embed="rId2"/>
+          <a:stretch>
+            <a:fillRect/>
+          </a:stretch>
+        </p:blipFill>
+        <p:spPr>
+          <a:xfrm>
+            <a:off x="2702719" y="1799911"/>
+            <a:ext cx="6786562" cy="4919821"/>
+          </a:xfrm>
+        </p:spPr>
+      </p:pic>
+    </p:spTree>
+    <p:extLst>
+      <p:ext uri="{BB962C8B-B14F-4D97-AF65-F5344CB8AC3E}">
+        <p14:creationId xmlns:p14="http://schemas.microsoft.com/office/powerpoint/2010/main" val="1040165630"/>
       </p:ext>
     </p:extLst>
   </p:cSld>
@@ -7222,6 +7223,100 @@
           <p:cNvPr id="2" name="Title 1">
             <a:extLst>
               <a:ext uri="{FF2B5EF4-FFF2-40B4-BE49-F238E27FC236}">
+                <a16:creationId xmlns:a16="http://schemas.microsoft.com/office/drawing/2014/main" id="{3D1E8775-6B0F-5649-B47D-492474D50767}"/>
+              </a:ext>
+            </a:extLst>
+          </p:cNvPr>
+          <p:cNvSpPr>
+            <a:spLocks noGrp="1"/>
+          </p:cNvSpPr>
+          <p:nvPr>
+            <p:ph type="title"/>
+          </p:nvPr>
+        </p:nvSpPr>
+        <p:spPr/>
+        <p:txBody>
+          <a:bodyPr/>
+          <a:lstStyle/>
+          <a:p>
+            <a:r>
+              <a:rPr lang="en-US" dirty="0"/>
+              <a:t>Ingredients and </a:t>
+            </a:r>
+            <a:br>
+              <a:rPr lang="en-US" dirty="0"/>
+            </a:br>
+            <a:r>
+              <a:rPr lang="en-US" dirty="0"/>
+              <a:t>mean number of attempts</a:t>
+            </a:r>
+          </a:p>
+        </p:txBody>
+      </p:sp>
+      <p:pic>
+        <p:nvPicPr>
+          <p:cNvPr id="5" name="Content Placeholder 4" descr="A screenshot of a cell phone&#10;&#10;Description automatically generated">
+            <a:extLst>
+              <a:ext uri="{FF2B5EF4-FFF2-40B4-BE49-F238E27FC236}">
+                <a16:creationId xmlns:a16="http://schemas.microsoft.com/office/drawing/2014/main" id="{12E228BF-5FD7-5D40-870B-E38F996FCD9F}"/>
+              </a:ext>
+            </a:extLst>
+          </p:cNvPr>
+          <p:cNvPicPr>
+            <a:picLocks noGrp="1" noChangeAspect="1"/>
+          </p:cNvPicPr>
+          <p:nvPr>
+            <p:ph idx="1"/>
+          </p:nvPr>
+        </p:nvPicPr>
+        <p:blipFill>
+          <a:blip r:embed="rId2"/>
+          <a:stretch>
+            <a:fillRect/>
+          </a:stretch>
+        </p:blipFill>
+        <p:spPr>
+          <a:xfrm>
+            <a:off x="3019628" y="2271712"/>
+            <a:ext cx="6152743" cy="4359482"/>
+          </a:xfrm>
+        </p:spPr>
+      </p:pic>
+    </p:spTree>
+    <p:extLst>
+      <p:ext uri="{BB962C8B-B14F-4D97-AF65-F5344CB8AC3E}">
+        <p14:creationId xmlns:p14="http://schemas.microsoft.com/office/powerpoint/2010/main" val="1473579738"/>
+      </p:ext>
+    </p:extLst>
+  </p:cSld>
+  <p:clrMapOvr>
+    <a:masterClrMapping/>
+  </p:clrMapOvr>
+</p:sld>
+</file>
+
+<file path=ppt/slides/slide21.xml><?xml version="1.0" encoding="utf-8"?>
+<p:sld xmlns:a="http://schemas.openxmlformats.org/drawingml/2006/main" xmlns:r="http://schemas.openxmlformats.org/officeDocument/2006/relationships" xmlns:p="http://schemas.openxmlformats.org/presentationml/2006/main">
+  <p:cSld>
+    <p:spTree>
+      <p:nvGrpSpPr>
+        <p:cNvPr id="1" name=""/>
+        <p:cNvGrpSpPr/>
+        <p:nvPr/>
+      </p:nvGrpSpPr>
+      <p:grpSpPr>
+        <a:xfrm>
+          <a:off x="0" y="0"/>
+          <a:ext cx="0" cy="0"/>
+          <a:chOff x="0" y="0"/>
+          <a:chExt cx="0" cy="0"/>
+        </a:xfrm>
+      </p:grpSpPr>
+      <p:sp>
+        <p:nvSpPr>
+          <p:cNvPr id="2" name="Title 1">
+            <a:extLst>
+              <a:ext uri="{FF2B5EF4-FFF2-40B4-BE49-F238E27FC236}">
                 <a16:creationId xmlns:a16="http://schemas.microsoft.com/office/drawing/2014/main" id="{F38FA032-F156-0544-B647-680F9582DBEA}"/>
               </a:ext>
             </a:extLst>
@@ -7659,7 +7754,7 @@
 </p:sld>
 </file>
 
-<file path=ppt/slides/slide21.xml><?xml version="1.0" encoding="utf-8"?>
+<file path=ppt/slides/slide22.xml><?xml version="1.0" encoding="utf-8"?>
 <p:sld xmlns:a="http://schemas.openxmlformats.org/drawingml/2006/main" xmlns:r="http://schemas.openxmlformats.org/officeDocument/2006/relationships" xmlns:p="http://schemas.openxmlformats.org/presentationml/2006/main">
   <p:cSld>
     <p:spTree>
@@ -7727,13 +7822,13 @@
           <a:p>
             <a:r>
               <a:rPr lang="en-US" dirty="0"/>
-              <a:t>Statistical analysis of exclusiveness, picture steps and master cooks.</a:t>
+              <a:t>Statistical analysis of exclusiveness, picture steps and master cooks. </a:t>
             </a:r>
           </a:p>
           <a:p>
             <a:r>
               <a:rPr lang="en-US" dirty="0"/>
-              <a:t>Try to perform a more detailed classification of the ingredients.</a:t>
+              <a:t>Create a more detailed classification of the ingredients.</a:t>
             </a:r>
           </a:p>
           <a:p>
@@ -7760,7 +7855,7 @@
 </p:sld>
 </file>
 
-<file path=ppt/slides/slide22.xml><?xml version="1.0" encoding="utf-8"?>
+<file path=ppt/slides/slide23.xml><?xml version="1.0" encoding="utf-8"?>
 <p:sld xmlns:a="http://schemas.openxmlformats.org/drawingml/2006/main" xmlns:r="http://schemas.openxmlformats.org/officeDocument/2006/relationships" xmlns:p="http://schemas.openxmlformats.org/presentationml/2006/main">
   <p:cSld>
     <p:spTree>
